--- a/KHOA/Builder.pptx
+++ b/KHOA/Builder.pptx
@@ -5,7 +5,7 @@
     <p:sldMasterId id="2147483648" r:id="rId1"/>
   </p:sldMasterIdLst>
   <p:notesMasterIdLst>
-    <p:notesMasterId r:id="rId20"/>
+    <p:notesMasterId r:id="rId19"/>
   </p:notesMasterIdLst>
   <p:sldIdLst>
     <p:sldId id="279" r:id="rId2"/>
@@ -19,13 +19,12 @@
     <p:sldId id="342" r:id="rId10"/>
     <p:sldId id="347" r:id="rId11"/>
     <p:sldId id="348" r:id="rId12"/>
-    <p:sldId id="349" r:id="rId13"/>
-    <p:sldId id="350" r:id="rId14"/>
-    <p:sldId id="351" r:id="rId15"/>
-    <p:sldId id="352" r:id="rId16"/>
-    <p:sldId id="353" r:id="rId17"/>
-    <p:sldId id="355" r:id="rId18"/>
-    <p:sldId id="354" r:id="rId19"/>
+    <p:sldId id="350" r:id="rId13"/>
+    <p:sldId id="351" r:id="rId14"/>
+    <p:sldId id="352" r:id="rId15"/>
+    <p:sldId id="353" r:id="rId16"/>
+    <p:sldId id="355" r:id="rId17"/>
+    <p:sldId id="354" r:id="rId18"/>
   </p:sldIdLst>
   <p:sldSz cx="12192000" cy="6858000"/>
   <p:notesSz cx="6858000" cy="9144000"/>
@@ -140,7 +139,6 @@
             <p14:sldId id="342"/>
             <p14:sldId id="347"/>
             <p14:sldId id="348"/>
-            <p14:sldId id="349"/>
             <p14:sldId id="350"/>
             <p14:sldId id="351"/>
             <p14:sldId id="352"/>
@@ -240,7 +238,7 @@
           <a:p>
             <a:fld id="{48D9F865-DE9D-469D-B54C-8E34BEAD4343}" type="datetimeFigureOut">
               <a:rPr lang="en-GB" smtClean="0"/>
-              <a:t>07/01/2017</a:t>
+              <a:t>08/01/2017</a:t>
             </a:fld>
             <a:endParaRPr lang="en-GB"/>
           </a:p>
@@ -834,7 +832,7 @@
     </p:spTree>
     <p:extLst>
       <p:ext uri="{BB962C8B-B14F-4D97-AF65-F5344CB8AC3E}">
-        <p14:creationId xmlns:p14="http://schemas.microsoft.com/office/powerpoint/2010/main" val="2027320766"/>
+        <p14:creationId xmlns:p14="http://schemas.microsoft.com/office/powerpoint/2010/main" val="4089457970"/>
       </p:ext>
     </p:extLst>
   </p:cSld>
@@ -918,7 +916,7 @@
     </p:spTree>
     <p:extLst>
       <p:ext uri="{BB962C8B-B14F-4D97-AF65-F5344CB8AC3E}">
-        <p14:creationId xmlns:p14="http://schemas.microsoft.com/office/powerpoint/2010/main" val="4089457970"/>
+        <p14:creationId xmlns:p14="http://schemas.microsoft.com/office/powerpoint/2010/main" val="2372411400"/>
       </p:ext>
     </p:extLst>
   </p:cSld>
@@ -1002,7 +1000,7 @@
     </p:spTree>
     <p:extLst>
       <p:ext uri="{BB962C8B-B14F-4D97-AF65-F5344CB8AC3E}">
-        <p14:creationId xmlns:p14="http://schemas.microsoft.com/office/powerpoint/2010/main" val="2372411400"/>
+        <p14:creationId xmlns:p14="http://schemas.microsoft.com/office/powerpoint/2010/main" val="1232945465"/>
       </p:ext>
     </p:extLst>
   </p:cSld>
@@ -1086,7 +1084,7 @@
     </p:spTree>
     <p:extLst>
       <p:ext uri="{BB962C8B-B14F-4D97-AF65-F5344CB8AC3E}">
-        <p14:creationId xmlns:p14="http://schemas.microsoft.com/office/powerpoint/2010/main" val="1232945465"/>
+        <p14:creationId xmlns:p14="http://schemas.microsoft.com/office/powerpoint/2010/main" val="634948114"/>
       </p:ext>
     </p:extLst>
   </p:cSld>
@@ -1170,7 +1168,7 @@
     </p:spTree>
     <p:extLst>
       <p:ext uri="{BB962C8B-B14F-4D97-AF65-F5344CB8AC3E}">
-        <p14:creationId xmlns:p14="http://schemas.microsoft.com/office/powerpoint/2010/main" val="634948114"/>
+        <p14:creationId xmlns:p14="http://schemas.microsoft.com/office/powerpoint/2010/main" val="1422012087"/>
       </p:ext>
     </p:extLst>
   </p:cSld>
@@ -1246,90 +1244,6 @@
             <a:fld id="{13049A14-D55A-4A33-918A-45FD40AE09C9}" type="slidenum">
               <a:rPr lang="en-US" smtClean="0"/>
               <a:t>17</a:t>
-            </a:fld>
-            <a:endParaRPr lang="en-US"/>
-          </a:p>
-        </p:txBody>
-      </p:sp>
-    </p:spTree>
-    <p:extLst>
-      <p:ext uri="{BB962C8B-B14F-4D97-AF65-F5344CB8AC3E}">
-        <p14:creationId xmlns:p14="http://schemas.microsoft.com/office/powerpoint/2010/main" val="1422012087"/>
-      </p:ext>
-    </p:extLst>
-  </p:cSld>
-  <p:clrMapOvr>
-    <a:masterClrMapping/>
-  </p:clrMapOvr>
-</p:notes>
-</file>
-
-<file path=ppt/notesSlides/notesSlide18.xml><?xml version="1.0" encoding="utf-8"?>
-<p:notes xmlns:a="http://schemas.openxmlformats.org/drawingml/2006/main" xmlns:r="http://schemas.openxmlformats.org/officeDocument/2006/relationships" xmlns:p="http://schemas.openxmlformats.org/presentationml/2006/main">
-  <p:cSld>
-    <p:spTree>
-      <p:nvGrpSpPr>
-        <p:cNvPr id="1" name=""/>
-        <p:cNvGrpSpPr/>
-        <p:nvPr/>
-      </p:nvGrpSpPr>
-      <p:grpSpPr>
-        <a:xfrm>
-          <a:off x="0" y="0"/>
-          <a:ext cx="0" cy="0"/>
-          <a:chOff x="0" y="0"/>
-          <a:chExt cx="0" cy="0"/>
-        </a:xfrm>
-      </p:grpSpPr>
-      <p:sp>
-        <p:nvSpPr>
-          <p:cNvPr id="2" name="Slide Image Placeholder 1"/>
-          <p:cNvSpPr>
-            <a:spLocks noGrp="1" noRot="1" noChangeAspect="1"/>
-          </p:cNvSpPr>
-          <p:nvPr>
-            <p:ph type="sldImg"/>
-          </p:nvPr>
-        </p:nvSpPr>
-        <p:spPr/>
-      </p:sp>
-      <p:sp>
-        <p:nvSpPr>
-          <p:cNvPr id="3" name="Notes Placeholder 2"/>
-          <p:cNvSpPr>
-            <a:spLocks noGrp="1"/>
-          </p:cNvSpPr>
-          <p:nvPr>
-            <p:ph type="body" idx="1"/>
-          </p:nvPr>
-        </p:nvSpPr>
-        <p:spPr/>
-        <p:txBody>
-          <a:bodyPr/>
-          <a:lstStyle/>
-          <a:p>
-            <a:endParaRPr lang="en-US" dirty="0"/>
-          </a:p>
-        </p:txBody>
-      </p:sp>
-      <p:sp>
-        <p:nvSpPr>
-          <p:cNvPr id="4" name="Slide Number Placeholder 3"/>
-          <p:cNvSpPr>
-            <a:spLocks noGrp="1"/>
-          </p:cNvSpPr>
-          <p:nvPr>
-            <p:ph type="sldNum" sz="quarter" idx="10"/>
-          </p:nvPr>
-        </p:nvSpPr>
-        <p:spPr/>
-        <p:txBody>
-          <a:bodyPr/>
-          <a:lstStyle/>
-          <a:p>
-            <a:fld id="{13049A14-D55A-4A33-918A-45FD40AE09C9}" type="slidenum">
-              <a:rPr lang="en-US" smtClean="0"/>
-              <a:t>18</a:t>
             </a:fld>
             <a:endParaRPr lang="en-US"/>
           </a:p>
@@ -2517,7 +2431,7 @@
           <a:p>
             <a:fld id="{E392035F-EBBE-4BB8-8C17-857BB5007D3A}" type="datetimeFigureOut">
               <a:rPr lang="en-US" smtClean="0"/>
-              <a:t>1/7/2017</a:t>
+              <a:t>1/8/2017</a:t>
             </a:fld>
             <a:endParaRPr lang="en-US"/>
           </a:p>
@@ -2685,7 +2599,7 @@
           <a:p>
             <a:fld id="{E392035F-EBBE-4BB8-8C17-857BB5007D3A}" type="datetimeFigureOut">
               <a:rPr lang="en-US" smtClean="0"/>
-              <a:t>1/7/2017</a:t>
+              <a:t>1/8/2017</a:t>
             </a:fld>
             <a:endParaRPr lang="en-US"/>
           </a:p>
@@ -2863,7 +2777,7 @@
           <a:p>
             <a:fld id="{E392035F-EBBE-4BB8-8C17-857BB5007D3A}" type="datetimeFigureOut">
               <a:rPr lang="en-US" smtClean="0"/>
-              <a:t>1/7/2017</a:t>
+              <a:t>1/8/2017</a:t>
             </a:fld>
             <a:endParaRPr lang="en-US"/>
           </a:p>
@@ -3031,7 +2945,7 @@
           <a:p>
             <a:fld id="{E392035F-EBBE-4BB8-8C17-857BB5007D3A}" type="datetimeFigureOut">
               <a:rPr lang="en-US" smtClean="0"/>
-              <a:t>1/7/2017</a:t>
+              <a:t>1/8/2017</a:t>
             </a:fld>
             <a:endParaRPr lang="en-US"/>
           </a:p>
@@ -3276,7 +3190,7 @@
           <a:p>
             <a:fld id="{E392035F-EBBE-4BB8-8C17-857BB5007D3A}" type="datetimeFigureOut">
               <a:rPr lang="en-US" smtClean="0"/>
-              <a:t>1/7/2017</a:t>
+              <a:t>1/8/2017</a:t>
             </a:fld>
             <a:endParaRPr lang="en-US"/>
           </a:p>
@@ -3505,7 +3419,7 @@
           <a:p>
             <a:fld id="{E392035F-EBBE-4BB8-8C17-857BB5007D3A}" type="datetimeFigureOut">
               <a:rPr lang="en-US" smtClean="0"/>
-              <a:t>1/7/2017</a:t>
+              <a:t>1/8/2017</a:t>
             </a:fld>
             <a:endParaRPr lang="en-US"/>
           </a:p>
@@ -3869,7 +3783,7 @@
           <a:p>
             <a:fld id="{E392035F-EBBE-4BB8-8C17-857BB5007D3A}" type="datetimeFigureOut">
               <a:rPr lang="en-US" smtClean="0"/>
-              <a:t>1/7/2017</a:t>
+              <a:t>1/8/2017</a:t>
             </a:fld>
             <a:endParaRPr lang="en-US"/>
           </a:p>
@@ -3986,7 +3900,7 @@
           <a:p>
             <a:fld id="{E392035F-EBBE-4BB8-8C17-857BB5007D3A}" type="datetimeFigureOut">
               <a:rPr lang="en-US" smtClean="0"/>
-              <a:t>1/7/2017</a:t>
+              <a:t>1/8/2017</a:t>
             </a:fld>
             <a:endParaRPr lang="en-US"/>
           </a:p>
@@ -4081,7 +3995,7 @@
           <a:p>
             <a:fld id="{E392035F-EBBE-4BB8-8C17-857BB5007D3A}" type="datetimeFigureOut">
               <a:rPr lang="en-US" smtClean="0"/>
-              <a:t>1/7/2017</a:t>
+              <a:t>1/8/2017</a:t>
             </a:fld>
             <a:endParaRPr lang="en-US"/>
           </a:p>
@@ -4356,7 +4270,7 @@
           <a:p>
             <a:fld id="{E392035F-EBBE-4BB8-8C17-857BB5007D3A}" type="datetimeFigureOut">
               <a:rPr lang="en-US" smtClean="0"/>
-              <a:t>1/7/2017</a:t>
+              <a:t>1/8/2017</a:t>
             </a:fld>
             <a:endParaRPr lang="en-US"/>
           </a:p>
@@ -4608,7 +4522,7 @@
           <a:p>
             <a:fld id="{E392035F-EBBE-4BB8-8C17-857BB5007D3A}" type="datetimeFigureOut">
               <a:rPr lang="en-US" smtClean="0"/>
-              <a:t>1/7/2017</a:t>
+              <a:t>1/8/2017</a:t>
             </a:fld>
             <a:endParaRPr lang="en-US"/>
           </a:p>
@@ -4819,7 +4733,7 @@
           <a:p>
             <a:fld id="{E392035F-EBBE-4BB8-8C17-857BB5007D3A}" type="datetimeFigureOut">
               <a:rPr lang="en-US" smtClean="0"/>
-              <a:t>1/7/2017</a:t>
+              <a:t>1/8/2017</a:t>
             </a:fld>
             <a:endParaRPr lang="en-US"/>
           </a:p>
@@ -5464,7 +5378,7 @@
                 <a:latin typeface="Times New Roman" panose="02020603050405020304" pitchFamily="18" charset="0"/>
                 <a:cs typeface="Times New Roman" panose="02020603050405020304" pitchFamily="18" charset="0"/>
               </a:rPr>
-              <a:t>: Builder</a:t>
+              <a:t>: Builder.</a:t>
             </a:r>
           </a:p>
           <a:p>
@@ -5498,7 +5412,7 @@
                 <a:latin typeface="Times New Roman" panose="02020603050405020304" pitchFamily="18" charset="0"/>
                 <a:cs typeface="Times New Roman" panose="02020603050405020304" pitchFamily="18" charset="0"/>
               </a:rPr>
-              <a:t>: Creational</a:t>
+              <a:t>: Creational.</a:t>
             </a:r>
           </a:p>
           <a:p>
@@ -5667,7 +5581,7 @@
         <p:spPr>
           <a:xfrm>
             <a:off x="418454" y="2406755"/>
-            <a:ext cx="11608231" cy="2062103"/>
+            <a:ext cx="11608231" cy="2554545"/>
           </a:xfrm>
           <a:prstGeom prst="rect">
             <a:avLst/>
@@ -5679,6 +5593,86 @@
           </a:bodyPr>
           <a:lstStyle/>
           <a:p>
+            <a:pPr marL="457200" indent="-457200">
+              <a:buFont typeface="Wingdings" panose="05000000000000000000" pitchFamily="2" charset="2"/>
+              <a:buChar char="Ø"/>
+            </a:pPr>
+            <a:r>
+              <a:rPr lang="en-US" sz="3200" dirty="0" err="1">
+                <a:latin typeface="Times New Roman" panose="02020603050405020304" pitchFamily="18" charset="0"/>
+                <a:cs typeface="Times New Roman" panose="02020603050405020304" pitchFamily="18" charset="0"/>
+              </a:rPr>
+              <a:t>Mẫu</a:t>
+            </a:r>
+            <a:r>
+              <a:rPr lang="en-US" sz="3200" dirty="0">
+                <a:latin typeface="Times New Roman" panose="02020603050405020304" pitchFamily="18" charset="0"/>
+                <a:cs typeface="Times New Roman" panose="02020603050405020304" pitchFamily="18" charset="0"/>
+              </a:rPr>
+              <a:t> </a:t>
+            </a:r>
+            <a:r>
+              <a:rPr lang="en-US" sz="3200" dirty="0" err="1">
+                <a:latin typeface="Times New Roman" panose="02020603050405020304" pitchFamily="18" charset="0"/>
+                <a:cs typeface="Times New Roman" panose="02020603050405020304" pitchFamily="18" charset="0"/>
+              </a:rPr>
+              <a:t>liên</a:t>
+            </a:r>
+            <a:r>
+              <a:rPr lang="en-US" sz="3200" dirty="0">
+                <a:latin typeface="Times New Roman" panose="02020603050405020304" pitchFamily="18" charset="0"/>
+                <a:cs typeface="Times New Roman" panose="02020603050405020304" pitchFamily="18" charset="0"/>
+              </a:rPr>
+              <a:t> </a:t>
+            </a:r>
+            <a:r>
+              <a:rPr lang="en-US" sz="3200" dirty="0" err="1">
+                <a:latin typeface="Times New Roman" panose="02020603050405020304" pitchFamily="18" charset="0"/>
+                <a:cs typeface="Times New Roman" panose="02020603050405020304" pitchFamily="18" charset="0"/>
+              </a:rPr>
+              <a:t>quan</a:t>
+            </a:r>
+            <a:r>
+              <a:rPr lang="en-US" sz="3200" dirty="0">
+                <a:latin typeface="Times New Roman" panose="02020603050405020304" pitchFamily="18" charset="0"/>
+                <a:cs typeface="Times New Roman" panose="02020603050405020304" pitchFamily="18" charset="0"/>
+              </a:rPr>
+              <a:t> </a:t>
+            </a:r>
+            <a:r>
+              <a:rPr lang="en-US" sz="3200" dirty="0" err="1">
+                <a:latin typeface="Times New Roman" panose="02020603050405020304" pitchFamily="18" charset="0"/>
+                <a:cs typeface="Times New Roman" panose="02020603050405020304" pitchFamily="18" charset="0"/>
+              </a:rPr>
+              <a:t>là</a:t>
+            </a:r>
+            <a:r>
+              <a:rPr lang="en-US" sz="3200" dirty="0">
+                <a:latin typeface="Times New Roman" panose="02020603050405020304" pitchFamily="18" charset="0"/>
+                <a:cs typeface="Times New Roman" panose="02020603050405020304" pitchFamily="18" charset="0"/>
+              </a:rPr>
+              <a:t> </a:t>
+            </a:r>
+            <a:r>
+              <a:rPr lang="en-US" sz="3200" dirty="0" err="1">
+                <a:latin typeface="Times New Roman" panose="02020603050405020304" pitchFamily="18" charset="0"/>
+                <a:cs typeface="Times New Roman" panose="02020603050405020304" pitchFamily="18" charset="0"/>
+              </a:rPr>
+              <a:t>AbstractFactory</a:t>
+            </a:r>
+            <a:r>
+              <a:rPr lang="en-US" sz="3200" dirty="0">
+                <a:latin typeface="Times New Roman" panose="02020603050405020304" pitchFamily="18" charset="0"/>
+                <a:cs typeface="Times New Roman" panose="02020603050405020304" pitchFamily="18" charset="0"/>
+              </a:rPr>
+              <a:t>.</a:t>
+            </a:r>
+          </a:p>
+          <a:p>
+            <a:pPr marL="457200" indent="-457200">
+              <a:buFont typeface="Wingdings" panose="05000000000000000000" pitchFamily="2" charset="2"/>
+              <a:buChar char="Ø"/>
+            </a:pPr>
             <a:r>
               <a:rPr lang="vi-VN" sz="3200" dirty="0">
                 <a:latin typeface="+mj-lt"/>
@@ -5963,7 +5957,20 @@
                 <a:latin typeface="Times New Roman" panose="02020603050405020304" pitchFamily="18" charset="0"/>
                 <a:cs typeface="Times New Roman" panose="02020603050405020304" pitchFamily="18" charset="0"/>
               </a:rPr>
-              <a:t>). Builder </a:t>
+              <a:t>).</a:t>
+            </a:r>
+          </a:p>
+          <a:p>
+            <a:pPr marL="457200" indent="-457200">
+              <a:buFont typeface="Wingdings" panose="05000000000000000000" pitchFamily="2" charset="2"/>
+              <a:buChar char="Ø"/>
+            </a:pPr>
+            <a:r>
+              <a:rPr lang="en-US" sz="3200" dirty="0">
+                <a:latin typeface="Times New Roman" panose="02020603050405020304" pitchFamily="18" charset="0"/>
+                <a:cs typeface="Times New Roman" panose="02020603050405020304" pitchFamily="18" charset="0"/>
+              </a:rPr>
+              <a:t>Builder </a:t>
             </a:r>
             <a:r>
               <a:rPr lang="en-US" sz="3200" dirty="0" err="1">
@@ -6175,10 +6182,13 @@
               </a:rPr>
               <a:t>tức</a:t>
             </a:r>
-            <a:endParaRPr lang="en-US" sz="3200" dirty="0">
-              <a:latin typeface="Times New Roman" panose="02020603050405020304" pitchFamily="18" charset="0"/>
-              <a:cs typeface="Times New Roman" panose="02020603050405020304" pitchFamily="18" charset="0"/>
-            </a:endParaRPr>
+            <a:r>
+              <a:rPr lang="en-US" sz="3200" dirty="0">
+                <a:latin typeface="Times New Roman" panose="02020603050405020304" pitchFamily="18" charset="0"/>
+                <a:cs typeface="Times New Roman" panose="02020603050405020304" pitchFamily="18" charset="0"/>
+              </a:rPr>
+              <a:t>.</a:t>
+            </a:r>
           </a:p>
         </p:txBody>
       </p:sp>
@@ -6330,10 +6340,14 @@
               <a:t> </a:t>
             </a:r>
             <a:r>
-              <a:rPr lang="vi-VN" sz="6000" b="1" dirty="0"/>
+              <a:rPr lang="vi-VN" sz="6000" b="1" dirty="0">
+                <a:latin typeface="+mj-lt"/>
+              </a:rPr>
               <a:t>Pattern</a:t>
             </a:r>
-            <a:endParaRPr lang="en-US" sz="6000" b="1" dirty="0"/>
+            <a:endParaRPr lang="en-US" sz="6000" b="1" dirty="0">
+              <a:latin typeface="+mj-lt"/>
+            </a:endParaRPr>
           </a:p>
         </p:txBody>
       </p:sp>
@@ -7460,10 +7474,14 @@
               <a:t> </a:t>
             </a:r>
             <a:r>
-              <a:rPr lang="vi-VN" sz="6000" b="1" dirty="0"/>
+              <a:rPr lang="vi-VN" sz="6000" b="1" dirty="0">
+                <a:latin typeface="+mj-lt"/>
+              </a:rPr>
               <a:t>Pattern</a:t>
             </a:r>
-            <a:endParaRPr lang="en-US" sz="6000" b="1" dirty="0"/>
+            <a:endParaRPr lang="en-US" sz="6000" b="1" dirty="0">
+              <a:latin typeface="+mj-lt"/>
+            </a:endParaRPr>
           </a:p>
         </p:txBody>
       </p:sp>
@@ -7647,7 +7665,7 @@
                 <a:latin typeface="Times New Roman" panose="02020603050405020304" pitchFamily="18" charset="0"/>
                 <a:cs typeface="Times New Roman" panose="02020603050405020304" pitchFamily="18" charset="0"/>
               </a:rPr>
-              <a:t>Mô</a:t>
+              <a:t>Tại</a:t>
             </a:r>
             <a:r>
               <a:rPr lang="en-US" sz="3200" b="1" dirty="0">
@@ -7661,7 +7679,7 @@
                 <a:latin typeface="Times New Roman" panose="02020603050405020304" pitchFamily="18" charset="0"/>
                 <a:cs typeface="Times New Roman" panose="02020603050405020304" pitchFamily="18" charset="0"/>
               </a:rPr>
-              <a:t>tả</a:t>
+              <a:t>sao</a:t>
             </a:r>
             <a:r>
               <a:rPr lang="en-US" sz="3200" b="1" dirty="0">
@@ -7675,7 +7693,7 @@
                 <a:latin typeface="Times New Roman" panose="02020603050405020304" pitchFamily="18" charset="0"/>
                 <a:cs typeface="Times New Roman" panose="02020603050405020304" pitchFamily="18" charset="0"/>
               </a:rPr>
-              <a:t>bài</a:t>
+              <a:t>sử</a:t>
             </a:r>
             <a:r>
               <a:rPr lang="en-US" sz="3200" b="1" dirty="0">
@@ -7689,98 +7707,42 @@
                 <a:latin typeface="Times New Roman" panose="02020603050405020304" pitchFamily="18" charset="0"/>
                 <a:cs typeface="Times New Roman" panose="02020603050405020304" pitchFamily="18" charset="0"/>
               </a:rPr>
-              <a:t>toán</a:t>
+              <a:t>dụng</a:t>
             </a:r>
             <a:r>
               <a:rPr lang="en-US" sz="3200" b="1" dirty="0">
                 <a:latin typeface="Times New Roman" panose="02020603050405020304" pitchFamily="18" charset="0"/>
                 <a:cs typeface="Times New Roman" panose="02020603050405020304" pitchFamily="18" charset="0"/>
               </a:rPr>
-              <a:t> : </a:t>
-            </a:r>
-            <a:r>
-              <a:rPr lang="en-US" sz="3200" dirty="0" err="1">
-                <a:latin typeface="Times New Roman" panose="02020603050405020304" pitchFamily="18" charset="0"/>
-                <a:cs typeface="Times New Roman" panose="02020603050405020304" pitchFamily="18" charset="0"/>
-              </a:rPr>
-              <a:t>Nh</a:t>
-            </a:r>
-            <a:r>
-              <a:rPr lang="vi-VN" sz="3200" dirty="0">
-                <a:latin typeface="Times New Roman" panose="02020603050405020304" pitchFamily="18" charset="0"/>
-                <a:cs typeface="Times New Roman" panose="02020603050405020304" pitchFamily="18" charset="0"/>
-              </a:rPr>
-              <a:t>ư</a:t>
-            </a:r>
-            <a:r>
-              <a:rPr lang="en-US" sz="3200" dirty="0">
-                <a:latin typeface="Times New Roman" panose="02020603050405020304" pitchFamily="18" charset="0"/>
-                <a:cs typeface="Times New Roman" panose="02020603050405020304" pitchFamily="18" charset="0"/>
-              </a:rPr>
-              <a:t> </a:t>
-            </a:r>
-            <a:r>
-              <a:rPr lang="en-US" sz="3200" dirty="0" err="1">
-                <a:latin typeface="Times New Roman" panose="02020603050405020304" pitchFamily="18" charset="0"/>
-                <a:cs typeface="Times New Roman" panose="02020603050405020304" pitchFamily="18" charset="0"/>
-              </a:rPr>
-              <a:t>đã</a:t>
-            </a:r>
-            <a:r>
-              <a:rPr lang="en-US" sz="3200" dirty="0">
-                <a:latin typeface="Times New Roman" panose="02020603050405020304" pitchFamily="18" charset="0"/>
-                <a:cs typeface="Times New Roman" panose="02020603050405020304" pitchFamily="18" charset="0"/>
-              </a:rPr>
-              <a:t> </a:t>
-            </a:r>
-            <a:r>
-              <a:rPr lang="en-US" sz="3200" dirty="0" err="1">
-                <a:latin typeface="Times New Roman" panose="02020603050405020304" pitchFamily="18" charset="0"/>
-                <a:cs typeface="Times New Roman" panose="02020603050405020304" pitchFamily="18" charset="0"/>
-              </a:rPr>
-              <a:t>trình</a:t>
-            </a:r>
-            <a:r>
-              <a:rPr lang="en-US" sz="3200" dirty="0">
-                <a:latin typeface="Times New Roman" panose="02020603050405020304" pitchFamily="18" charset="0"/>
-                <a:cs typeface="Times New Roman" panose="02020603050405020304" pitchFamily="18" charset="0"/>
-              </a:rPr>
-              <a:t> </a:t>
-            </a:r>
-            <a:r>
-              <a:rPr lang="en-US" sz="3200" dirty="0" err="1">
-                <a:latin typeface="Times New Roman" panose="02020603050405020304" pitchFamily="18" charset="0"/>
-                <a:cs typeface="Times New Roman" panose="02020603050405020304" pitchFamily="18" charset="0"/>
-              </a:rPr>
-              <a:t>bày</a:t>
-            </a:r>
-            <a:r>
-              <a:rPr lang="en-US" sz="3200" dirty="0">
-                <a:latin typeface="Times New Roman" panose="02020603050405020304" pitchFamily="18" charset="0"/>
-                <a:cs typeface="Times New Roman" panose="02020603050405020304" pitchFamily="18" charset="0"/>
-              </a:rPr>
-              <a:t> ở </a:t>
-            </a:r>
-            <a:r>
-              <a:rPr lang="en-US" sz="3200" dirty="0" err="1">
-                <a:latin typeface="Times New Roman" panose="02020603050405020304" pitchFamily="18" charset="0"/>
-                <a:cs typeface="Times New Roman" panose="02020603050405020304" pitchFamily="18" charset="0"/>
-              </a:rPr>
-              <a:t>phần</a:t>
-            </a:r>
-            <a:r>
-              <a:rPr lang="en-US" sz="3200" dirty="0">
-                <a:latin typeface="Times New Roman" panose="02020603050405020304" pitchFamily="18" charset="0"/>
-                <a:cs typeface="Times New Roman" panose="02020603050405020304" pitchFamily="18" charset="0"/>
-              </a:rPr>
-              <a:t> motivation, ta </a:t>
-            </a:r>
-            <a:r>
-              <a:rPr lang="en-US" sz="3200" dirty="0" err="1">
-                <a:latin typeface="Times New Roman" panose="02020603050405020304" pitchFamily="18" charset="0"/>
-                <a:cs typeface="Times New Roman" panose="02020603050405020304" pitchFamily="18" charset="0"/>
-              </a:rPr>
-              <a:t>có</a:t>
+              <a:t> </a:t>
+            </a:r>
+            <a:r>
+              <a:rPr lang="en-US" sz="3200" b="1" dirty="0" err="1">
+                <a:latin typeface="Times New Roman" panose="02020603050405020304" pitchFamily="18" charset="0"/>
+                <a:cs typeface="Times New Roman" panose="02020603050405020304" pitchFamily="18" charset="0"/>
+              </a:rPr>
+              <a:t>mẫu</a:t>
+            </a:r>
+            <a:r>
+              <a:rPr lang="en-US" sz="3200" b="1" dirty="0">
+                <a:latin typeface="Times New Roman" panose="02020603050405020304" pitchFamily="18" charset="0"/>
+                <a:cs typeface="Times New Roman" panose="02020603050405020304" pitchFamily="18" charset="0"/>
+              </a:rPr>
+              <a:t> </a:t>
+            </a:r>
+            <a:r>
+              <a:rPr lang="en-US" sz="3200" b="1" dirty="0" err="1">
+                <a:latin typeface="Times New Roman" panose="02020603050405020304" pitchFamily="18" charset="0"/>
+                <a:cs typeface="Times New Roman" panose="02020603050405020304" pitchFamily="18" charset="0"/>
+              </a:rPr>
+              <a:t>này</a:t>
+            </a:r>
+            <a:r>
+              <a:rPr lang="en-US" sz="3200" b="1" dirty="0">
+                <a:latin typeface="Times New Roman" panose="02020603050405020304" pitchFamily="18" charset="0"/>
+                <a:cs typeface="Times New Roman" panose="02020603050405020304" pitchFamily="18" charset="0"/>
+              </a:rPr>
+              <a:t>?</a:t>
             </a:r>
             <a:endParaRPr lang="en-US" sz="3200" dirty="0">
               <a:latin typeface="Times New Roman" panose="02020603050405020304" pitchFamily="18" charset="0"/>
@@ -7788,9 +7750,10 @@
             </a:endParaRPr>
           </a:p>
           <a:p>
-            <a:pPr marL="457200" indent="-457200">
+            <a:pPr marL="457200" lvl="0" indent="-457200">
               <a:buFont typeface="Wingdings" panose="05000000000000000000" pitchFamily="2" charset="2"/>
               <a:buChar char="Ø"/>
+              <a:defRPr/>
             </a:pPr>
             <a:r>
               <a:rPr lang="en-US" sz="3200" dirty="0">
@@ -7804,6 +7767,76 @@
                 <a:latin typeface="Times New Roman" panose="02020603050405020304" pitchFamily="18" charset="0"/>
                 <a:cs typeface="Times New Roman" panose="02020603050405020304" pitchFamily="18" charset="0"/>
               </a:rPr>
+              <a:t>sử</a:t>
+            </a:r>
+            <a:r>
+              <a:rPr lang="en-US" sz="3200" dirty="0">
+                <a:latin typeface="Times New Roman" panose="02020603050405020304" pitchFamily="18" charset="0"/>
+                <a:cs typeface="Times New Roman" panose="02020603050405020304" pitchFamily="18" charset="0"/>
+              </a:rPr>
+              <a:t> </a:t>
+            </a:r>
+            <a:r>
+              <a:rPr lang="en-US" sz="3200" dirty="0" err="1">
+                <a:latin typeface="Times New Roman" panose="02020603050405020304" pitchFamily="18" charset="0"/>
+                <a:cs typeface="Times New Roman" panose="02020603050405020304" pitchFamily="18" charset="0"/>
+              </a:rPr>
+              <a:t>dụng</a:t>
+            </a:r>
+            <a:r>
+              <a:rPr lang="en-US" sz="3200" dirty="0">
+                <a:latin typeface="Times New Roman" panose="02020603050405020304" pitchFamily="18" charset="0"/>
+                <a:cs typeface="Times New Roman" panose="02020603050405020304" pitchFamily="18" charset="0"/>
+              </a:rPr>
+              <a:t> </a:t>
+            </a:r>
+            <a:r>
+              <a:rPr lang="en-US" sz="3200" dirty="0" err="1">
+                <a:latin typeface="Times New Roman" panose="02020603050405020304" pitchFamily="18" charset="0"/>
+                <a:cs typeface="Times New Roman" panose="02020603050405020304" pitchFamily="18" charset="0"/>
+              </a:rPr>
+              <a:t>mẫu</a:t>
+            </a:r>
+            <a:r>
+              <a:rPr lang="en-US" sz="3200" dirty="0">
+                <a:latin typeface="Times New Roman" panose="02020603050405020304" pitchFamily="18" charset="0"/>
+                <a:cs typeface="Times New Roman" panose="02020603050405020304" pitchFamily="18" charset="0"/>
+              </a:rPr>
+              <a:t> </a:t>
+            </a:r>
+            <a:r>
+              <a:rPr lang="en-US" sz="3200" dirty="0" err="1">
+                <a:latin typeface="Times New Roman" panose="02020603050405020304" pitchFamily="18" charset="0"/>
+                <a:cs typeface="Times New Roman" panose="02020603050405020304" pitchFamily="18" charset="0"/>
+              </a:rPr>
+              <a:t>này</a:t>
+            </a:r>
+            <a:r>
+              <a:rPr lang="en-US" sz="3200" dirty="0">
+                <a:latin typeface="Times New Roman" panose="02020603050405020304" pitchFamily="18" charset="0"/>
+                <a:cs typeface="Times New Roman" panose="02020603050405020304" pitchFamily="18" charset="0"/>
+              </a:rPr>
+              <a:t> </a:t>
+            </a:r>
+            <a:r>
+              <a:rPr lang="en-US" sz="3200" dirty="0" err="1">
+                <a:latin typeface="Times New Roman" panose="02020603050405020304" pitchFamily="18" charset="0"/>
+                <a:cs typeface="Times New Roman" panose="02020603050405020304" pitchFamily="18" charset="0"/>
+              </a:rPr>
+              <a:t>vì</a:t>
+            </a:r>
+            <a:r>
+              <a:rPr lang="en-US" sz="3200" dirty="0">
+                <a:latin typeface="Times New Roman" panose="02020603050405020304" pitchFamily="18" charset="0"/>
+                <a:cs typeface="Times New Roman" panose="02020603050405020304" pitchFamily="18" charset="0"/>
+              </a:rPr>
+              <a:t> ta </a:t>
+            </a:r>
+            <a:r>
+              <a:rPr lang="en-US" sz="3200" dirty="0" err="1">
+                <a:latin typeface="Times New Roman" panose="02020603050405020304" pitchFamily="18" charset="0"/>
+                <a:cs typeface="Times New Roman" panose="02020603050405020304" pitchFamily="18" charset="0"/>
+              </a:rPr>
               <a:t>cần</a:t>
             </a:r>
             <a:r>
@@ -7825,6 +7858,20 @@
                 <a:latin typeface="Times New Roman" panose="02020603050405020304" pitchFamily="18" charset="0"/>
                 <a:cs typeface="Times New Roman" panose="02020603050405020304" pitchFamily="18" charset="0"/>
               </a:rPr>
+              <a:t> 2 </a:t>
+            </a:r>
+            <a:r>
+              <a:rPr lang="en-US" sz="3200" dirty="0" err="1">
+                <a:latin typeface="Times New Roman" panose="02020603050405020304" pitchFamily="18" charset="0"/>
+                <a:cs typeface="Times New Roman" panose="02020603050405020304" pitchFamily="18" charset="0"/>
+              </a:rPr>
+              <a:t>loại</a:t>
+            </a:r>
+            <a:r>
+              <a:rPr lang="en-US" sz="3200" dirty="0">
+                <a:latin typeface="Times New Roman" panose="02020603050405020304" pitchFamily="18" charset="0"/>
+                <a:cs typeface="Times New Roman" panose="02020603050405020304" pitchFamily="18" charset="0"/>
+              </a:rPr>
               <a:t> </a:t>
             </a:r>
             <a:r>
@@ -7906,44 +7953,17 @@
             </a:r>
           </a:p>
           <a:p>
-            <a:pPr marL="457200" indent="-457200">
+            <a:pPr marL="457200" lvl="0" indent="-457200">
               <a:buFont typeface="Wingdings" panose="05000000000000000000" pitchFamily="2" charset="2"/>
               <a:buChar char="Ø"/>
+              <a:defRPr/>
             </a:pPr>
             <a:r>
               <a:rPr lang="en-US" sz="3200" dirty="0" err="1">
                 <a:latin typeface="Times New Roman" panose="02020603050405020304" pitchFamily="18" charset="0"/>
                 <a:cs typeface="Times New Roman" panose="02020603050405020304" pitchFamily="18" charset="0"/>
               </a:rPr>
-              <a:t>Nhưng</a:t>
-            </a:r>
-            <a:r>
-              <a:rPr lang="en-US" sz="3200" dirty="0">
-                <a:latin typeface="Times New Roman" panose="02020603050405020304" pitchFamily="18" charset="0"/>
-                <a:cs typeface="Times New Roman" panose="02020603050405020304" pitchFamily="18" charset="0"/>
-              </a:rPr>
-              <a:t> ta </a:t>
-            </a:r>
-            <a:r>
-              <a:rPr lang="en-US" sz="3200" dirty="0" err="1">
-                <a:latin typeface="Times New Roman" panose="02020603050405020304" pitchFamily="18" charset="0"/>
-                <a:cs typeface="Times New Roman" panose="02020603050405020304" pitchFamily="18" charset="0"/>
-              </a:rPr>
-              <a:t>nhận</a:t>
-            </a:r>
-            <a:r>
-              <a:rPr lang="en-US" sz="3200" dirty="0">
-                <a:latin typeface="Times New Roman" panose="02020603050405020304" pitchFamily="18" charset="0"/>
-                <a:cs typeface="Times New Roman" panose="02020603050405020304" pitchFamily="18" charset="0"/>
-              </a:rPr>
-              <a:t> </a:t>
-            </a:r>
-            <a:r>
-              <a:rPr lang="en-US" sz="3200" dirty="0" err="1">
-                <a:latin typeface="Times New Roman" panose="02020603050405020304" pitchFamily="18" charset="0"/>
-                <a:cs typeface="Times New Roman" panose="02020603050405020304" pitchFamily="18" charset="0"/>
-              </a:rPr>
-              <a:t>thấy</a:t>
+              <a:t>Cả</a:t>
             </a:r>
             <a:r>
               <a:rPr lang="en-US" sz="3200" dirty="0">
@@ -7957,6 +7977,20 @@
                 <a:latin typeface="Times New Roman" panose="02020603050405020304" pitchFamily="18" charset="0"/>
                 <a:cs typeface="Times New Roman" panose="02020603050405020304" pitchFamily="18" charset="0"/>
               </a:rPr>
+              <a:t>loại</a:t>
+            </a:r>
+            <a:r>
+              <a:rPr lang="en-US" sz="3200" dirty="0">
+                <a:latin typeface="Times New Roman" panose="02020603050405020304" pitchFamily="18" charset="0"/>
+                <a:cs typeface="Times New Roman" panose="02020603050405020304" pitchFamily="18" charset="0"/>
+              </a:rPr>
+              <a:t> </a:t>
+            </a:r>
+            <a:r>
+              <a:rPr lang="en-US" sz="3200" dirty="0" err="1">
+                <a:latin typeface="Times New Roman" panose="02020603050405020304" pitchFamily="18" charset="0"/>
+                <a:cs typeface="Times New Roman" panose="02020603050405020304" pitchFamily="18" charset="0"/>
+              </a:rPr>
               <a:t>đối</a:t>
             </a:r>
             <a:r>
@@ -8006,6 +8040,20 @@
                 <a:latin typeface="Times New Roman" panose="02020603050405020304" pitchFamily="18" charset="0"/>
                 <a:cs typeface="Times New Roman" panose="02020603050405020304" pitchFamily="18" charset="0"/>
               </a:rPr>
+              <a:t>đều</a:t>
+            </a:r>
+            <a:r>
+              <a:rPr lang="en-US" sz="3200" dirty="0">
+                <a:latin typeface="Times New Roman" panose="02020603050405020304" pitchFamily="18" charset="0"/>
+                <a:cs typeface="Times New Roman" panose="02020603050405020304" pitchFamily="18" charset="0"/>
+              </a:rPr>
+              <a:t> </a:t>
+            </a:r>
+            <a:r>
+              <a:rPr lang="en-US" sz="3200" dirty="0" err="1">
+                <a:latin typeface="Times New Roman" panose="02020603050405020304" pitchFamily="18" charset="0"/>
+                <a:cs typeface="Times New Roman" panose="02020603050405020304" pitchFamily="18" charset="0"/>
+              </a:rPr>
               <a:t>có</a:t>
             </a:r>
             <a:r>
@@ -8041,41 +8089,6 @@
                 <a:latin typeface="Times New Roman" panose="02020603050405020304" pitchFamily="18" charset="0"/>
                 <a:cs typeface="Times New Roman" panose="02020603050405020304" pitchFamily="18" charset="0"/>
               </a:rPr>
-              <a:t> t</a:t>
-            </a:r>
-            <a:r>
-              <a:rPr lang="vi-VN" sz="3200" dirty="0">
-                <a:latin typeface="Times New Roman" panose="02020603050405020304" pitchFamily="18" charset="0"/>
-                <a:cs typeface="Times New Roman" panose="02020603050405020304" pitchFamily="18" charset="0"/>
-              </a:rPr>
-              <a:t>ư</a:t>
-            </a:r>
-            <a:r>
-              <a:rPr lang="en-US" sz="3200" dirty="0" err="1">
-                <a:latin typeface="Times New Roman" panose="02020603050405020304" pitchFamily="18" charset="0"/>
-                <a:cs typeface="Times New Roman" panose="02020603050405020304" pitchFamily="18" charset="0"/>
-              </a:rPr>
-              <a:t>ơng</a:t>
-            </a:r>
-            <a:r>
-              <a:rPr lang="en-US" sz="3200" dirty="0">
-                <a:latin typeface="Times New Roman" panose="02020603050405020304" pitchFamily="18" charset="0"/>
-                <a:cs typeface="Times New Roman" panose="02020603050405020304" pitchFamily="18" charset="0"/>
-              </a:rPr>
-              <a:t> </a:t>
-            </a:r>
-            <a:r>
-              <a:rPr lang="en-US" sz="3200" dirty="0" err="1">
-                <a:latin typeface="Times New Roman" panose="02020603050405020304" pitchFamily="18" charset="0"/>
-                <a:cs typeface="Times New Roman" panose="02020603050405020304" pitchFamily="18" charset="0"/>
-              </a:rPr>
-              <a:t>đối</a:t>
-            </a:r>
-            <a:r>
-              <a:rPr lang="en-US" sz="3200" dirty="0">
-                <a:latin typeface="Times New Roman" panose="02020603050405020304" pitchFamily="18" charset="0"/>
-                <a:cs typeface="Times New Roman" panose="02020603050405020304" pitchFamily="18" charset="0"/>
-              </a:rPr>
               <a:t> </a:t>
             </a:r>
             <a:r>
@@ -8104,62 +8117,105 @@
                 <a:latin typeface="Times New Roman" panose="02020603050405020304" pitchFamily="18" charset="0"/>
                 <a:cs typeface="Times New Roman" panose="02020603050405020304" pitchFamily="18" charset="0"/>
               </a:rPr>
-              <a:t> </a:t>
-            </a:r>
-            <a:r>
-              <a:rPr lang="en-US" sz="3200" dirty="0" err="1">
-                <a:latin typeface="Times New Roman" panose="02020603050405020304" pitchFamily="18" charset="0"/>
-                <a:cs typeface="Times New Roman" panose="02020603050405020304" pitchFamily="18" charset="0"/>
-              </a:rPr>
-              <a:t>gồm</a:t>
-            </a:r>
-            <a:r>
-              <a:rPr lang="en-US" sz="3200" dirty="0">
-                <a:latin typeface="Times New Roman" panose="02020603050405020304" pitchFamily="18" charset="0"/>
-                <a:cs typeface="Times New Roman" panose="02020603050405020304" pitchFamily="18" charset="0"/>
-              </a:rPr>
-              <a:t> </a:t>
-            </a:r>
-            <a:r>
-              <a:rPr lang="en-US" sz="3200" dirty="0" err="1">
-                <a:latin typeface="Times New Roman" panose="02020603050405020304" pitchFamily="18" charset="0"/>
-                <a:cs typeface="Times New Roman" panose="02020603050405020304" pitchFamily="18" charset="0"/>
-              </a:rPr>
-              <a:t>có</a:t>
-            </a:r>
-            <a:r>
-              <a:rPr lang="en-US" sz="3200" dirty="0">
-                <a:latin typeface="Times New Roman" panose="02020603050405020304" pitchFamily="18" charset="0"/>
-                <a:cs typeface="Times New Roman" panose="02020603050405020304" pitchFamily="18" charset="0"/>
-              </a:rPr>
-              <a:t> Body, Wheels, </a:t>
-            </a:r>
-            <a:r>
-              <a:rPr lang="en-US" sz="3200" dirty="0" err="1">
-                <a:latin typeface="Times New Roman" panose="02020603050405020304" pitchFamily="18" charset="0"/>
-                <a:cs typeface="Times New Roman" panose="02020603050405020304" pitchFamily="18" charset="0"/>
-              </a:rPr>
-              <a:t>HeadLight</a:t>
-            </a:r>
-            <a:r>
-              <a:rPr lang="en-US" sz="3200" dirty="0">
-                <a:latin typeface="Times New Roman" panose="02020603050405020304" pitchFamily="18" charset="0"/>
-                <a:cs typeface="Times New Roman" panose="02020603050405020304" pitchFamily="18" charset="0"/>
-              </a:rPr>
               <a:t>.</a:t>
             </a:r>
           </a:p>
           <a:p>
-            <a:pPr marL="457200" indent="-457200">
+            <a:pPr marL="457200" lvl="0" indent="-457200">
               <a:buFont typeface="Wingdings" panose="05000000000000000000" pitchFamily="2" charset="2"/>
               <a:buChar char="Ø"/>
+              <a:defRPr/>
             </a:pPr>
             <a:r>
               <a:rPr lang="en-US" sz="3200" dirty="0">
                 <a:latin typeface="Times New Roman" panose="02020603050405020304" pitchFamily="18" charset="0"/>
                 <a:cs typeface="Times New Roman" panose="02020603050405020304" pitchFamily="18" charset="0"/>
               </a:rPr>
-              <a:t>Do </a:t>
+              <a:t>Ta </a:t>
+            </a:r>
+            <a:r>
+              <a:rPr lang="en-US" sz="3200" dirty="0" err="1">
+                <a:latin typeface="Times New Roman" panose="02020603050405020304" pitchFamily="18" charset="0"/>
+                <a:cs typeface="Times New Roman" panose="02020603050405020304" pitchFamily="18" charset="0"/>
+              </a:rPr>
+              <a:t>sử</a:t>
+            </a:r>
+            <a:r>
+              <a:rPr lang="en-US" sz="3200" dirty="0">
+                <a:latin typeface="Times New Roman" panose="02020603050405020304" pitchFamily="18" charset="0"/>
+                <a:cs typeface="Times New Roman" panose="02020603050405020304" pitchFamily="18" charset="0"/>
+              </a:rPr>
+              <a:t> </a:t>
+            </a:r>
+            <a:r>
+              <a:rPr lang="en-US" sz="3200" dirty="0" err="1">
+                <a:latin typeface="Times New Roman" panose="02020603050405020304" pitchFamily="18" charset="0"/>
+                <a:cs typeface="Times New Roman" panose="02020603050405020304" pitchFamily="18" charset="0"/>
+              </a:rPr>
+              <a:t>dụng</a:t>
+            </a:r>
+            <a:r>
+              <a:rPr lang="en-US" sz="3200" dirty="0">
+                <a:latin typeface="Times New Roman" panose="02020603050405020304" pitchFamily="18" charset="0"/>
+                <a:cs typeface="Times New Roman" panose="02020603050405020304" pitchFamily="18" charset="0"/>
+              </a:rPr>
+              <a:t> Builder </a:t>
+            </a:r>
+            <a:r>
+              <a:rPr lang="en-US" sz="3200" dirty="0" err="1">
+                <a:latin typeface="Times New Roman" panose="02020603050405020304" pitchFamily="18" charset="0"/>
+                <a:cs typeface="Times New Roman" panose="02020603050405020304" pitchFamily="18" charset="0"/>
+              </a:rPr>
+              <a:t>để</a:t>
+            </a:r>
+            <a:r>
+              <a:rPr lang="en-US" sz="3200" dirty="0">
+                <a:latin typeface="Times New Roman" panose="02020603050405020304" pitchFamily="18" charset="0"/>
+                <a:cs typeface="Times New Roman" panose="02020603050405020304" pitchFamily="18" charset="0"/>
+              </a:rPr>
+              <a:t> </a:t>
+            </a:r>
+            <a:r>
+              <a:rPr lang="en-US" sz="3200" dirty="0" err="1">
+                <a:latin typeface="Times New Roman" panose="02020603050405020304" pitchFamily="18" charset="0"/>
+                <a:cs typeface="Times New Roman" panose="02020603050405020304" pitchFamily="18" charset="0"/>
+              </a:rPr>
+              <a:t>giúp</a:t>
+            </a:r>
+            <a:r>
+              <a:rPr lang="en-US" sz="3200" dirty="0">
+                <a:latin typeface="Times New Roman" panose="02020603050405020304" pitchFamily="18" charset="0"/>
+                <a:cs typeface="Times New Roman" panose="02020603050405020304" pitchFamily="18" charset="0"/>
+              </a:rPr>
+              <a:t> </a:t>
+            </a:r>
+            <a:r>
+              <a:rPr lang="en-US" sz="3200" dirty="0" err="1">
+                <a:latin typeface="Times New Roman" panose="02020603050405020304" pitchFamily="18" charset="0"/>
+                <a:cs typeface="Times New Roman" panose="02020603050405020304" pitchFamily="18" charset="0"/>
+              </a:rPr>
+              <a:t>tạo</a:t>
+            </a:r>
+            <a:r>
+              <a:rPr lang="en-US" sz="3200" dirty="0">
+                <a:latin typeface="Times New Roman" panose="02020603050405020304" pitchFamily="18" charset="0"/>
+                <a:cs typeface="Times New Roman" panose="02020603050405020304" pitchFamily="18" charset="0"/>
+              </a:rPr>
+              <a:t> </a:t>
+            </a:r>
+            <a:r>
+              <a:rPr lang="en-US" sz="3200" dirty="0" err="1">
+                <a:latin typeface="Times New Roman" panose="02020603050405020304" pitchFamily="18" charset="0"/>
+                <a:cs typeface="Times New Roman" panose="02020603050405020304" pitchFamily="18" charset="0"/>
+              </a:rPr>
+              <a:t>các</a:t>
+            </a:r>
+            <a:r>
+              <a:rPr lang="en-US" sz="3200" dirty="0">
+                <a:latin typeface="Times New Roman" panose="02020603050405020304" pitchFamily="18" charset="0"/>
+                <a:cs typeface="Times New Roman" panose="02020603050405020304" pitchFamily="18" charset="0"/>
+              </a:rPr>
+              <a:t> </a:t>
             </a:r>
             <a:r>
               <a:rPr lang="en-US" sz="3200" dirty="0" err="1">
@@ -8173,62 +8229,6 @@
                 <a:latin typeface="Times New Roman" panose="02020603050405020304" pitchFamily="18" charset="0"/>
                 <a:cs typeface="Times New Roman" panose="02020603050405020304" pitchFamily="18" charset="0"/>
               </a:rPr>
-              <a:t> </a:t>
-            </a:r>
-            <a:r>
-              <a:rPr lang="en-US" sz="3200" dirty="0" err="1">
-                <a:latin typeface="Times New Roman" panose="02020603050405020304" pitchFamily="18" charset="0"/>
-                <a:cs typeface="Times New Roman" panose="02020603050405020304" pitchFamily="18" charset="0"/>
-              </a:rPr>
-              <a:t>tượng</a:t>
-            </a:r>
-            <a:r>
-              <a:rPr lang="en-US" sz="3200" dirty="0">
-                <a:latin typeface="Times New Roman" panose="02020603050405020304" pitchFamily="18" charset="0"/>
-                <a:cs typeface="Times New Roman" panose="02020603050405020304" pitchFamily="18" charset="0"/>
-              </a:rPr>
-              <a:t> </a:t>
-            </a:r>
-            <a:r>
-              <a:rPr lang="en-US" sz="3200" dirty="0" err="1">
-                <a:latin typeface="Times New Roman" panose="02020603050405020304" pitchFamily="18" charset="0"/>
-                <a:cs typeface="Times New Roman" panose="02020603050405020304" pitchFamily="18" charset="0"/>
-              </a:rPr>
-              <a:t>có</a:t>
-            </a:r>
-            <a:r>
-              <a:rPr lang="en-US" sz="3200" dirty="0">
-                <a:latin typeface="Times New Roman" panose="02020603050405020304" pitchFamily="18" charset="0"/>
-                <a:cs typeface="Times New Roman" panose="02020603050405020304" pitchFamily="18" charset="0"/>
-              </a:rPr>
-              <a:t> </a:t>
-            </a:r>
-            <a:r>
-              <a:rPr lang="en-US" sz="3200" dirty="0" err="1">
-                <a:latin typeface="Times New Roman" panose="02020603050405020304" pitchFamily="18" charset="0"/>
-                <a:cs typeface="Times New Roman" panose="02020603050405020304" pitchFamily="18" charset="0"/>
-              </a:rPr>
-              <a:t>cấu</a:t>
-            </a:r>
-            <a:r>
-              <a:rPr lang="en-US" sz="3200" dirty="0">
-                <a:latin typeface="Times New Roman" panose="02020603050405020304" pitchFamily="18" charset="0"/>
-                <a:cs typeface="Times New Roman" panose="02020603050405020304" pitchFamily="18" charset="0"/>
-              </a:rPr>
-              <a:t> </a:t>
-            </a:r>
-            <a:r>
-              <a:rPr lang="en-US" sz="3200" dirty="0" err="1">
-                <a:latin typeface="Times New Roman" panose="02020603050405020304" pitchFamily="18" charset="0"/>
-                <a:cs typeface="Times New Roman" panose="02020603050405020304" pitchFamily="18" charset="0"/>
-              </a:rPr>
-              <a:t>trúc</a:t>
-            </a:r>
-            <a:r>
-              <a:rPr lang="en-US" sz="3200" dirty="0">
-                <a:latin typeface="Times New Roman" panose="02020603050405020304" pitchFamily="18" charset="0"/>
-                <a:cs typeface="Times New Roman" panose="02020603050405020304" pitchFamily="18" charset="0"/>
-              </a:rPr>
               <a:t> t</a:t>
             </a:r>
             <a:r>
@@ -8243,244 +8243,111 @@
                 <a:latin typeface="Times New Roman" panose="02020603050405020304" pitchFamily="18" charset="0"/>
                 <a:cs typeface="Times New Roman" panose="02020603050405020304" pitchFamily="18" charset="0"/>
               </a:rPr>
-              <a:t>ơng</a:t>
-            </a:r>
-            <a:r>
-              <a:rPr lang="en-US" sz="3200" dirty="0">
-                <a:latin typeface="Times New Roman" panose="02020603050405020304" pitchFamily="18" charset="0"/>
-                <a:cs typeface="Times New Roman" panose="02020603050405020304" pitchFamily="18" charset="0"/>
-              </a:rPr>
-              <a:t> </a:t>
-            </a:r>
-            <a:r>
-              <a:rPr lang="en-US" sz="3200" dirty="0" err="1">
-                <a:latin typeface="Times New Roman" panose="02020603050405020304" pitchFamily="18" charset="0"/>
-                <a:cs typeface="Times New Roman" panose="02020603050405020304" pitchFamily="18" charset="0"/>
-              </a:rPr>
-              <a:t>đối</a:t>
-            </a:r>
-            <a:r>
-              <a:rPr lang="en-US" sz="3200" dirty="0">
-                <a:latin typeface="Times New Roman" panose="02020603050405020304" pitchFamily="18" charset="0"/>
-                <a:cs typeface="Times New Roman" panose="02020603050405020304" pitchFamily="18" charset="0"/>
-              </a:rPr>
-              <a:t> </a:t>
-            </a:r>
-            <a:r>
-              <a:rPr lang="en-US" sz="3200" dirty="0" err="1">
-                <a:latin typeface="Times New Roman" panose="02020603050405020304" pitchFamily="18" charset="0"/>
-                <a:cs typeface="Times New Roman" panose="02020603050405020304" pitchFamily="18" charset="0"/>
-              </a:rPr>
-              <a:t>phức</a:t>
-            </a:r>
-            <a:r>
-              <a:rPr lang="en-US" sz="3200" dirty="0">
-                <a:latin typeface="Times New Roman" panose="02020603050405020304" pitchFamily="18" charset="0"/>
-                <a:cs typeface="Times New Roman" panose="02020603050405020304" pitchFamily="18" charset="0"/>
-              </a:rPr>
-              <a:t> </a:t>
-            </a:r>
-            <a:r>
-              <a:rPr lang="en-US" sz="3200" dirty="0" err="1">
-                <a:latin typeface="Times New Roman" panose="02020603050405020304" pitchFamily="18" charset="0"/>
-                <a:cs typeface="Times New Roman" panose="02020603050405020304" pitchFamily="18" charset="0"/>
-              </a:rPr>
-              <a:t>tập</a:t>
-            </a:r>
-            <a:r>
-              <a:rPr lang="en-US" sz="3200" dirty="0">
-                <a:latin typeface="Times New Roman" panose="02020603050405020304" pitchFamily="18" charset="0"/>
-                <a:cs typeface="Times New Roman" panose="02020603050405020304" pitchFamily="18" charset="0"/>
-              </a:rPr>
-              <a:t> </a:t>
-            </a:r>
-            <a:r>
-              <a:rPr lang="en-US" sz="3200" dirty="0" err="1">
-                <a:latin typeface="Times New Roman" panose="02020603050405020304" pitchFamily="18" charset="0"/>
-                <a:cs typeface="Times New Roman" panose="02020603050405020304" pitchFamily="18" charset="0"/>
-              </a:rPr>
-              <a:t>nên</a:t>
-            </a:r>
-            <a:r>
-              <a:rPr lang="en-US" sz="3200" dirty="0">
-                <a:latin typeface="Times New Roman" panose="02020603050405020304" pitchFamily="18" charset="0"/>
-                <a:cs typeface="Times New Roman" panose="02020603050405020304" pitchFamily="18" charset="0"/>
-              </a:rPr>
-              <a:t> </a:t>
-            </a:r>
-            <a:r>
-              <a:rPr lang="en-US" sz="3200" dirty="0" err="1">
-                <a:latin typeface="Times New Roman" panose="02020603050405020304" pitchFamily="18" charset="0"/>
-                <a:cs typeface="Times New Roman" panose="02020603050405020304" pitchFamily="18" charset="0"/>
-              </a:rPr>
-              <a:t>cũng</a:t>
-            </a:r>
-            <a:r>
-              <a:rPr lang="en-US" sz="3200" dirty="0">
-                <a:latin typeface="Times New Roman" panose="02020603050405020304" pitchFamily="18" charset="0"/>
-                <a:cs typeface="Times New Roman" panose="02020603050405020304" pitchFamily="18" charset="0"/>
-              </a:rPr>
-              <a:t> </a:t>
-            </a:r>
-            <a:r>
-              <a:rPr lang="en-US" sz="3200" dirty="0" err="1">
-                <a:latin typeface="Times New Roman" panose="02020603050405020304" pitchFamily="18" charset="0"/>
-                <a:cs typeface="Times New Roman" panose="02020603050405020304" pitchFamily="18" charset="0"/>
-              </a:rPr>
-              <a:t>sẽ</a:t>
-            </a:r>
-            <a:r>
-              <a:rPr lang="en-US" sz="3200" dirty="0">
-                <a:latin typeface="Times New Roman" panose="02020603050405020304" pitchFamily="18" charset="0"/>
-                <a:cs typeface="Times New Roman" panose="02020603050405020304" pitchFamily="18" charset="0"/>
-              </a:rPr>
-              <a:t> </a:t>
-            </a:r>
-            <a:r>
-              <a:rPr lang="en-US" sz="3200" dirty="0" err="1">
-                <a:latin typeface="Times New Roman" panose="02020603050405020304" pitchFamily="18" charset="0"/>
-                <a:cs typeface="Times New Roman" panose="02020603050405020304" pitchFamily="18" charset="0"/>
-              </a:rPr>
-              <a:t>gây</a:t>
-            </a:r>
-            <a:r>
-              <a:rPr lang="en-US" sz="3200" dirty="0">
-                <a:latin typeface="Times New Roman" panose="02020603050405020304" pitchFamily="18" charset="0"/>
-                <a:cs typeface="Times New Roman" panose="02020603050405020304" pitchFamily="18" charset="0"/>
-              </a:rPr>
-              <a:t> </a:t>
-            </a:r>
-            <a:r>
-              <a:rPr lang="en-US" sz="3200" dirty="0" err="1">
-                <a:latin typeface="Times New Roman" panose="02020603050405020304" pitchFamily="18" charset="0"/>
-                <a:cs typeface="Times New Roman" panose="02020603050405020304" pitchFamily="18" charset="0"/>
-              </a:rPr>
-              <a:t>khó</a:t>
-            </a:r>
-            <a:r>
-              <a:rPr lang="en-US" sz="3200" dirty="0">
-                <a:latin typeface="Times New Roman" panose="02020603050405020304" pitchFamily="18" charset="0"/>
-                <a:cs typeface="Times New Roman" panose="02020603050405020304" pitchFamily="18" charset="0"/>
-              </a:rPr>
-              <a:t> </a:t>
-            </a:r>
-            <a:r>
-              <a:rPr lang="en-US" sz="3200" dirty="0" err="1">
-                <a:latin typeface="Times New Roman" panose="02020603050405020304" pitchFamily="18" charset="0"/>
-                <a:cs typeface="Times New Roman" panose="02020603050405020304" pitchFamily="18" charset="0"/>
-              </a:rPr>
-              <a:t>khăn</a:t>
-            </a:r>
-            <a:r>
-              <a:rPr lang="en-US" sz="3200" dirty="0">
-                <a:latin typeface="Times New Roman" panose="02020603050405020304" pitchFamily="18" charset="0"/>
-                <a:cs typeface="Times New Roman" panose="02020603050405020304" pitchFamily="18" charset="0"/>
-              </a:rPr>
-              <a:t> </a:t>
-            </a:r>
-            <a:r>
-              <a:rPr lang="en-US" sz="3200" dirty="0" err="1">
-                <a:latin typeface="Times New Roman" panose="02020603050405020304" pitchFamily="18" charset="0"/>
-                <a:cs typeface="Times New Roman" panose="02020603050405020304" pitchFamily="18" charset="0"/>
-              </a:rPr>
-              <a:t>phần</a:t>
-            </a:r>
-            <a:r>
-              <a:rPr lang="en-US" sz="3200" dirty="0">
-                <a:latin typeface="Times New Roman" panose="02020603050405020304" pitchFamily="18" charset="0"/>
-                <a:cs typeface="Times New Roman" panose="02020603050405020304" pitchFamily="18" charset="0"/>
-              </a:rPr>
-              <a:t> </a:t>
-            </a:r>
-            <a:r>
-              <a:rPr lang="en-US" sz="3200" dirty="0" err="1">
-                <a:latin typeface="Times New Roman" panose="02020603050405020304" pitchFamily="18" charset="0"/>
-                <a:cs typeface="Times New Roman" panose="02020603050405020304" pitchFamily="18" charset="0"/>
-              </a:rPr>
-              <a:t>nào</a:t>
-            </a:r>
-            <a:r>
-              <a:rPr lang="en-US" sz="3200" dirty="0">
-                <a:latin typeface="Times New Roman" panose="02020603050405020304" pitchFamily="18" charset="0"/>
-                <a:cs typeface="Times New Roman" panose="02020603050405020304" pitchFamily="18" charset="0"/>
-              </a:rPr>
-              <a:t> </a:t>
-            </a:r>
-            <a:r>
-              <a:rPr lang="en-US" sz="3200" dirty="0" err="1">
-                <a:latin typeface="Times New Roman" panose="02020603050405020304" pitchFamily="18" charset="0"/>
-                <a:cs typeface="Times New Roman" panose="02020603050405020304" pitchFamily="18" charset="0"/>
-              </a:rPr>
-              <a:t>trong</a:t>
-            </a:r>
-            <a:r>
-              <a:rPr lang="en-US" sz="3200" dirty="0">
-                <a:latin typeface="Times New Roman" panose="02020603050405020304" pitchFamily="18" charset="0"/>
-                <a:cs typeface="Times New Roman" panose="02020603050405020304" pitchFamily="18" charset="0"/>
-              </a:rPr>
-              <a:t> </a:t>
-            </a:r>
-            <a:r>
-              <a:rPr lang="en-US" sz="3200" dirty="0" err="1">
-                <a:latin typeface="Times New Roman" panose="02020603050405020304" pitchFamily="18" charset="0"/>
-                <a:cs typeface="Times New Roman" panose="02020603050405020304" pitchFamily="18" charset="0"/>
-              </a:rPr>
-              <a:t>việc</a:t>
-            </a:r>
-            <a:r>
-              <a:rPr lang="en-US" sz="3200" dirty="0">
-                <a:latin typeface="Times New Roman" panose="02020603050405020304" pitchFamily="18" charset="0"/>
-                <a:cs typeface="Times New Roman" panose="02020603050405020304" pitchFamily="18" charset="0"/>
-              </a:rPr>
-              <a:t> </a:t>
-            </a:r>
-            <a:r>
-              <a:rPr lang="en-US" sz="3200" dirty="0" err="1">
-                <a:latin typeface="Times New Roman" panose="02020603050405020304" pitchFamily="18" charset="0"/>
-                <a:cs typeface="Times New Roman" panose="02020603050405020304" pitchFamily="18" charset="0"/>
-              </a:rPr>
-              <a:t>khởi</a:t>
-            </a:r>
-            <a:r>
-              <a:rPr lang="en-US" sz="3200" dirty="0">
-                <a:latin typeface="Times New Roman" panose="02020603050405020304" pitchFamily="18" charset="0"/>
-                <a:cs typeface="Times New Roman" panose="02020603050405020304" pitchFamily="18" charset="0"/>
-              </a:rPr>
-              <a:t> </a:t>
-            </a:r>
-            <a:r>
-              <a:rPr lang="en-US" sz="3200" dirty="0" err="1">
-                <a:latin typeface="Times New Roman" panose="02020603050405020304" pitchFamily="18" charset="0"/>
-                <a:cs typeface="Times New Roman" panose="02020603050405020304" pitchFamily="18" charset="0"/>
-              </a:rPr>
-              <a:t>tạo</a:t>
-            </a:r>
-            <a:r>
-              <a:rPr lang="en-US" sz="3200" dirty="0">
-                <a:latin typeface="Times New Roman" panose="02020603050405020304" pitchFamily="18" charset="0"/>
-                <a:cs typeface="Times New Roman" panose="02020603050405020304" pitchFamily="18" charset="0"/>
-              </a:rPr>
-              <a:t> </a:t>
-            </a:r>
-            <a:r>
-              <a:rPr lang="en-US" sz="3200" dirty="0" err="1">
-                <a:latin typeface="Times New Roman" panose="02020603050405020304" pitchFamily="18" charset="0"/>
-                <a:cs typeface="Times New Roman" panose="02020603050405020304" pitchFamily="18" charset="0"/>
-              </a:rPr>
-              <a:t>đối</a:t>
-            </a:r>
-            <a:r>
-              <a:rPr lang="en-US" sz="3200" dirty="0">
-                <a:latin typeface="Times New Roman" panose="02020603050405020304" pitchFamily="18" charset="0"/>
-                <a:cs typeface="Times New Roman" panose="02020603050405020304" pitchFamily="18" charset="0"/>
-              </a:rPr>
-              <a:t> t</a:t>
+              <a:t>ợng</a:t>
+            </a:r>
+            <a:r>
+              <a:rPr lang="en-US" sz="3200" dirty="0">
+                <a:latin typeface="Times New Roman" panose="02020603050405020304" pitchFamily="18" charset="0"/>
+                <a:cs typeface="Times New Roman" panose="02020603050405020304" pitchFamily="18" charset="0"/>
+              </a:rPr>
+              <a:t> </a:t>
+            </a:r>
+            <a:r>
+              <a:rPr lang="en-US" sz="3200" dirty="0" err="1">
+                <a:latin typeface="Times New Roman" panose="02020603050405020304" pitchFamily="18" charset="0"/>
+                <a:cs typeface="Times New Roman" panose="02020603050405020304" pitchFamily="18" charset="0"/>
+              </a:rPr>
+              <a:t>như</a:t>
+            </a:r>
+            <a:r>
+              <a:rPr lang="en-US" sz="3200" dirty="0">
+                <a:latin typeface="Times New Roman" panose="02020603050405020304" pitchFamily="18" charset="0"/>
+                <a:cs typeface="Times New Roman" panose="02020603050405020304" pitchFamily="18" charset="0"/>
+              </a:rPr>
+              <a:t> </a:t>
+            </a:r>
+            <a:r>
+              <a:rPr lang="en-US" sz="3200" dirty="0" err="1">
+                <a:latin typeface="Times New Roman" panose="02020603050405020304" pitchFamily="18" charset="0"/>
+                <a:cs typeface="Times New Roman" panose="02020603050405020304" pitchFamily="18" charset="0"/>
+              </a:rPr>
+              <a:t>vậy</a:t>
+            </a:r>
+            <a:r>
+              <a:rPr lang="en-US" sz="3200" dirty="0">
+                <a:latin typeface="Times New Roman" panose="02020603050405020304" pitchFamily="18" charset="0"/>
+                <a:cs typeface="Times New Roman" panose="02020603050405020304" pitchFamily="18" charset="0"/>
+              </a:rPr>
+              <a:t> </a:t>
+            </a:r>
+            <a:r>
+              <a:rPr lang="en-US" sz="3200" dirty="0" err="1">
+                <a:latin typeface="Times New Roman" panose="02020603050405020304" pitchFamily="18" charset="0"/>
+                <a:cs typeface="Times New Roman" panose="02020603050405020304" pitchFamily="18" charset="0"/>
+              </a:rPr>
+              <a:t>dễ</a:t>
+            </a:r>
+            <a:r>
+              <a:rPr lang="en-US" sz="3200" dirty="0">
+                <a:latin typeface="Times New Roman" panose="02020603050405020304" pitchFamily="18" charset="0"/>
+                <a:cs typeface="Times New Roman" panose="02020603050405020304" pitchFamily="18" charset="0"/>
+              </a:rPr>
+              <a:t> </a:t>
+            </a:r>
+            <a:r>
+              <a:rPr lang="en-US" sz="3200" dirty="0" err="1">
+                <a:latin typeface="Times New Roman" panose="02020603050405020304" pitchFamily="18" charset="0"/>
+                <a:cs typeface="Times New Roman" panose="02020603050405020304" pitchFamily="18" charset="0"/>
+              </a:rPr>
+              <a:t>dàng</a:t>
+            </a:r>
+            <a:r>
+              <a:rPr lang="en-US" sz="3200" dirty="0">
+                <a:latin typeface="Times New Roman" panose="02020603050405020304" pitchFamily="18" charset="0"/>
+                <a:cs typeface="Times New Roman" panose="02020603050405020304" pitchFamily="18" charset="0"/>
+              </a:rPr>
+              <a:t> h</a:t>
             </a:r>
             <a:r>
               <a:rPr lang="vi-VN" sz="3200" dirty="0">
                 <a:latin typeface="Times New Roman" panose="02020603050405020304" pitchFamily="18" charset="0"/>
                 <a:cs typeface="Times New Roman" panose="02020603050405020304" pitchFamily="18" charset="0"/>
               </a:rPr>
+              <a:t>ơ</a:t>
+            </a:r>
+            <a:r>
+              <a:rPr lang="en-US" sz="3200" dirty="0">
+                <a:latin typeface="Times New Roman" panose="02020603050405020304" pitchFamily="18" charset="0"/>
+                <a:cs typeface="Times New Roman" panose="02020603050405020304" pitchFamily="18" charset="0"/>
+              </a:rPr>
+              <a:t>n </a:t>
+            </a:r>
+            <a:r>
+              <a:rPr lang="en-US" sz="3200" dirty="0" err="1">
+                <a:latin typeface="Times New Roman" panose="02020603050405020304" pitchFamily="18" charset="0"/>
+                <a:cs typeface="Times New Roman" panose="02020603050405020304" pitchFamily="18" charset="0"/>
+              </a:rPr>
+              <a:t>thông</a:t>
+            </a:r>
+            <a:r>
+              <a:rPr lang="en-US" sz="3200" dirty="0">
+                <a:latin typeface="Times New Roman" panose="02020603050405020304" pitchFamily="18" charset="0"/>
+                <a:cs typeface="Times New Roman" panose="02020603050405020304" pitchFamily="18" charset="0"/>
+              </a:rPr>
+              <a:t> </a:t>
+            </a:r>
+            <a:r>
+              <a:rPr lang="en-US" sz="3200" dirty="0" err="1">
+                <a:latin typeface="Times New Roman" panose="02020603050405020304" pitchFamily="18" charset="0"/>
+                <a:cs typeface="Times New Roman" panose="02020603050405020304" pitchFamily="18" charset="0"/>
+              </a:rPr>
+              <a:t>th</a:t>
+            </a:r>
+            <a:r>
+              <a:rPr lang="vi-VN" sz="3200" dirty="0">
+                <a:latin typeface="Times New Roman" panose="02020603050405020304" pitchFamily="18" charset="0"/>
+                <a:cs typeface="Times New Roman" panose="02020603050405020304" pitchFamily="18" charset="0"/>
+              </a:rPr>
               <a:t>ư</a:t>
             </a:r>
             <a:r>
@@ -8488,14 +8355,14 @@
                 <a:latin typeface="Times New Roman" panose="02020603050405020304" pitchFamily="18" charset="0"/>
                 <a:cs typeface="Times New Roman" panose="02020603050405020304" pitchFamily="18" charset="0"/>
               </a:rPr>
-              <a:t>ơng</a:t>
-            </a:r>
-            <a:r>
-              <a:rPr lang="en-US" sz="3200" dirty="0">
-                <a:latin typeface="Times New Roman" panose="02020603050405020304" pitchFamily="18" charset="0"/>
-                <a:cs typeface="Times New Roman" panose="02020603050405020304" pitchFamily="18" charset="0"/>
-              </a:rPr>
-              <a:t>.</a:t>
+              <a:t>ờng</a:t>
+            </a:r>
+            <a:r>
+              <a:rPr lang="en-US" sz="3200" dirty="0">
+                <a:latin typeface="Times New Roman" panose="02020603050405020304" pitchFamily="18" charset="0"/>
+                <a:cs typeface="Times New Roman" panose="02020603050405020304" pitchFamily="18" charset="0"/>
+              </a:rPr>
+              <a:t>. </a:t>
             </a:r>
           </a:p>
           <a:p>
@@ -8509,7 +8376,7 @@
     </p:spTree>
     <p:extLst>
       <p:ext uri="{BB962C8B-B14F-4D97-AF65-F5344CB8AC3E}">
-        <p14:creationId xmlns:p14="http://schemas.microsoft.com/office/powerpoint/2010/main" val="794015027"/>
+        <p14:creationId xmlns:p14="http://schemas.microsoft.com/office/powerpoint/2010/main" val="3714062210"/>
       </p:ext>
     </p:extLst>
   </p:cSld>
@@ -8590,996 +8457,14 @@
               <a:t> </a:t>
             </a:r>
             <a:r>
-              <a:rPr lang="vi-VN" sz="6000" b="1" dirty="0"/>
+              <a:rPr lang="vi-VN" sz="6000" b="1" dirty="0">
+                <a:latin typeface="+mj-lt"/>
+              </a:rPr>
               <a:t>Pattern</a:t>
             </a:r>
-            <a:endParaRPr lang="en-US" sz="6000" b="1" dirty="0"/>
-          </a:p>
-        </p:txBody>
-      </p:sp>
-      <p:sp>
-        <p:nvSpPr>
-          <p:cNvPr id="5" name="Rectangle 4"/>
-          <p:cNvSpPr/>
-          <p:nvPr/>
-        </p:nvSpPr>
-        <p:spPr>
-          <a:xfrm>
-            <a:off x="378822" y="1184934"/>
-            <a:ext cx="4188967" cy="830997"/>
-          </a:xfrm>
-          <a:prstGeom prst="rect">
-            <a:avLst/>
-          </a:prstGeom>
-        </p:spPr>
-        <p:txBody>
-          <a:bodyPr wrap="none">
-            <a:spAutoFit/>
-          </a:bodyPr>
-          <a:lstStyle/>
-          <a:p>
-            <a:pPr marL="457200" marR="0" lvl="0" indent="-457200">
-              <a:lnSpc>
-                <a:spcPct val="150000"/>
-              </a:lnSpc>
-              <a:spcBef>
-                <a:spcPts val="0"/>
-              </a:spcBef>
-              <a:spcAft>
-                <a:spcPts val="0"/>
-              </a:spcAft>
-              <a:buFont typeface="Wingdings" panose="05000000000000000000" pitchFamily="2" charset="2"/>
-              <a:buChar char="v"/>
-            </a:pPr>
-            <a:r>
-              <a:rPr lang="en-GB" sz="3200" b="1" dirty="0" err="1">
-                <a:solidFill>
-                  <a:schemeClr val="bg2">
-                    <a:lumMod val="10000"/>
-                  </a:schemeClr>
-                </a:solidFill>
-                <a:effectLst/>
-                <a:latin typeface="Times New Roman" panose="02020603050405020304" pitchFamily="18" charset="0"/>
-                <a:ea typeface="Calibri" panose="020F0502020204030204" pitchFamily="34" charset="0"/>
-                <a:cs typeface="Times New Roman" panose="02020603050405020304" pitchFamily="18" charset="0"/>
-              </a:rPr>
-              <a:t>M</a:t>
-            </a:r>
-            <a:r>
-              <a:rPr lang="en-GB" sz="3200" b="1" dirty="0" err="1">
-                <a:solidFill>
-                  <a:schemeClr val="bg2">
-                    <a:lumMod val="10000"/>
-                  </a:schemeClr>
-                </a:solidFill>
-                <a:latin typeface="Times New Roman" panose="02020603050405020304" pitchFamily="18" charset="0"/>
-                <a:ea typeface="Calibri" panose="020F0502020204030204" pitchFamily="34" charset="0"/>
-                <a:cs typeface="Times New Roman" panose="02020603050405020304" pitchFamily="18" charset="0"/>
-              </a:rPr>
-              <a:t>ã</a:t>
-            </a:r>
-            <a:r>
-              <a:rPr lang="en-GB" sz="3200" b="1" dirty="0">
-                <a:solidFill>
-                  <a:schemeClr val="bg2">
-                    <a:lumMod val="10000"/>
-                  </a:schemeClr>
-                </a:solidFill>
-                <a:latin typeface="Times New Roman" panose="02020603050405020304" pitchFamily="18" charset="0"/>
-                <a:ea typeface="Calibri" panose="020F0502020204030204" pitchFamily="34" charset="0"/>
-                <a:cs typeface="Times New Roman" panose="02020603050405020304" pitchFamily="18" charset="0"/>
-              </a:rPr>
-              <a:t> </a:t>
-            </a:r>
-            <a:r>
-              <a:rPr lang="en-GB" sz="3200" b="1" dirty="0" err="1">
-                <a:solidFill>
-                  <a:schemeClr val="bg2">
-                    <a:lumMod val="10000"/>
-                  </a:schemeClr>
-                </a:solidFill>
-                <a:latin typeface="Times New Roman" panose="02020603050405020304" pitchFamily="18" charset="0"/>
-                <a:ea typeface="Calibri" panose="020F0502020204030204" pitchFamily="34" charset="0"/>
-                <a:cs typeface="Times New Roman" panose="02020603050405020304" pitchFamily="18" charset="0"/>
-              </a:rPr>
-              <a:t>nguồn</a:t>
-            </a:r>
-            <a:r>
-              <a:rPr lang="en-GB" sz="3200" b="1" dirty="0">
-                <a:solidFill>
-                  <a:schemeClr val="bg2">
-                    <a:lumMod val="10000"/>
-                  </a:schemeClr>
-                </a:solidFill>
-                <a:latin typeface="Times New Roman" panose="02020603050405020304" pitchFamily="18" charset="0"/>
-                <a:ea typeface="Calibri" panose="020F0502020204030204" pitchFamily="34" charset="0"/>
-                <a:cs typeface="Times New Roman" panose="02020603050405020304" pitchFamily="18" charset="0"/>
-              </a:rPr>
-              <a:t> </a:t>
-            </a:r>
-            <a:r>
-              <a:rPr lang="en-GB" sz="3200" b="1" dirty="0" err="1">
-                <a:solidFill>
-                  <a:schemeClr val="bg2">
-                    <a:lumMod val="10000"/>
-                  </a:schemeClr>
-                </a:solidFill>
-                <a:latin typeface="Times New Roman" panose="02020603050405020304" pitchFamily="18" charset="0"/>
-                <a:ea typeface="Calibri" panose="020F0502020204030204" pitchFamily="34" charset="0"/>
-                <a:cs typeface="Times New Roman" panose="02020603050405020304" pitchFamily="18" charset="0"/>
-              </a:rPr>
-              <a:t>minh</a:t>
-            </a:r>
-            <a:r>
-              <a:rPr lang="en-GB" sz="3200" b="1" dirty="0">
-                <a:solidFill>
-                  <a:schemeClr val="bg2">
-                    <a:lumMod val="10000"/>
-                  </a:schemeClr>
-                </a:solidFill>
-                <a:latin typeface="Times New Roman" panose="02020603050405020304" pitchFamily="18" charset="0"/>
-                <a:ea typeface="Calibri" panose="020F0502020204030204" pitchFamily="34" charset="0"/>
-                <a:cs typeface="Times New Roman" panose="02020603050405020304" pitchFamily="18" charset="0"/>
-              </a:rPr>
-              <a:t> </a:t>
-            </a:r>
-            <a:r>
-              <a:rPr lang="en-GB" sz="3200" b="1" dirty="0" err="1">
-                <a:solidFill>
-                  <a:schemeClr val="bg2">
-                    <a:lumMod val="10000"/>
-                  </a:schemeClr>
-                </a:solidFill>
-                <a:latin typeface="Times New Roman" panose="02020603050405020304" pitchFamily="18" charset="0"/>
-                <a:ea typeface="Calibri" panose="020F0502020204030204" pitchFamily="34" charset="0"/>
-                <a:cs typeface="Times New Roman" panose="02020603050405020304" pitchFamily="18" charset="0"/>
-              </a:rPr>
-              <a:t>họa</a:t>
-            </a:r>
-            <a:endParaRPr lang="en-US" sz="3200" b="1" dirty="0">
-              <a:solidFill>
-                <a:schemeClr val="bg2">
-                  <a:lumMod val="10000"/>
-                </a:schemeClr>
-              </a:solidFill>
-              <a:effectLst/>
-              <a:latin typeface="Calibri" panose="020F0502020204030204" pitchFamily="34" charset="0"/>
-              <a:ea typeface="Calibri" panose="020F0502020204030204" pitchFamily="34" charset="0"/>
-              <a:cs typeface="Times New Roman" panose="02020603050405020304" pitchFamily="18" charset="0"/>
+            <a:endParaRPr lang="en-US" sz="6000" b="1" dirty="0">
+              <a:latin typeface="+mj-lt"/>
             </a:endParaRPr>
-          </a:p>
-        </p:txBody>
-      </p:sp>
-      <p:sp>
-        <p:nvSpPr>
-          <p:cNvPr id="2" name="TextBox 1"/>
-          <p:cNvSpPr txBox="1"/>
-          <p:nvPr/>
-        </p:nvSpPr>
-        <p:spPr>
-          <a:xfrm>
-            <a:off x="532144" y="2115092"/>
-            <a:ext cx="11257085" cy="3539430"/>
-          </a:xfrm>
-          <a:prstGeom prst="rect">
-            <a:avLst/>
-          </a:prstGeom>
-          <a:noFill/>
-        </p:spPr>
-        <p:txBody>
-          <a:bodyPr wrap="square" rtlCol="0">
-            <a:spAutoFit/>
-          </a:bodyPr>
-          <a:lstStyle/>
-          <a:p>
-            <a:r>
-              <a:rPr lang="en-US" sz="3200" b="1" dirty="0" err="1">
-                <a:latin typeface="Times New Roman" panose="02020603050405020304" pitchFamily="18" charset="0"/>
-                <a:cs typeface="Times New Roman" panose="02020603050405020304" pitchFamily="18" charset="0"/>
-              </a:rPr>
-              <a:t>Tại</a:t>
-            </a:r>
-            <a:r>
-              <a:rPr lang="en-US" sz="3200" b="1" dirty="0">
-                <a:latin typeface="Times New Roman" panose="02020603050405020304" pitchFamily="18" charset="0"/>
-                <a:cs typeface="Times New Roman" panose="02020603050405020304" pitchFamily="18" charset="0"/>
-              </a:rPr>
-              <a:t> </a:t>
-            </a:r>
-            <a:r>
-              <a:rPr lang="en-US" sz="3200" b="1" dirty="0" err="1">
-                <a:latin typeface="Times New Roman" panose="02020603050405020304" pitchFamily="18" charset="0"/>
-                <a:cs typeface="Times New Roman" panose="02020603050405020304" pitchFamily="18" charset="0"/>
-              </a:rPr>
-              <a:t>sao</a:t>
-            </a:r>
-            <a:r>
-              <a:rPr lang="en-US" sz="3200" b="1" dirty="0">
-                <a:latin typeface="Times New Roman" panose="02020603050405020304" pitchFamily="18" charset="0"/>
-                <a:cs typeface="Times New Roman" panose="02020603050405020304" pitchFamily="18" charset="0"/>
-              </a:rPr>
-              <a:t> </a:t>
-            </a:r>
-            <a:r>
-              <a:rPr lang="en-US" sz="3200" b="1" dirty="0" err="1">
-                <a:latin typeface="Times New Roman" panose="02020603050405020304" pitchFamily="18" charset="0"/>
-                <a:cs typeface="Times New Roman" panose="02020603050405020304" pitchFamily="18" charset="0"/>
-              </a:rPr>
-              <a:t>sử</a:t>
-            </a:r>
-            <a:r>
-              <a:rPr lang="en-US" sz="3200" b="1" dirty="0">
-                <a:latin typeface="Times New Roman" panose="02020603050405020304" pitchFamily="18" charset="0"/>
-                <a:cs typeface="Times New Roman" panose="02020603050405020304" pitchFamily="18" charset="0"/>
-              </a:rPr>
-              <a:t> </a:t>
-            </a:r>
-            <a:r>
-              <a:rPr lang="en-US" sz="3200" b="1" dirty="0" err="1">
-                <a:latin typeface="Times New Roman" panose="02020603050405020304" pitchFamily="18" charset="0"/>
-                <a:cs typeface="Times New Roman" panose="02020603050405020304" pitchFamily="18" charset="0"/>
-              </a:rPr>
-              <a:t>dụng</a:t>
-            </a:r>
-            <a:r>
-              <a:rPr lang="en-US" sz="3200" b="1" dirty="0">
-                <a:latin typeface="Times New Roman" panose="02020603050405020304" pitchFamily="18" charset="0"/>
-                <a:cs typeface="Times New Roman" panose="02020603050405020304" pitchFamily="18" charset="0"/>
-              </a:rPr>
-              <a:t> </a:t>
-            </a:r>
-            <a:r>
-              <a:rPr lang="en-US" sz="3200" b="1" dirty="0" err="1">
-                <a:latin typeface="Times New Roman" panose="02020603050405020304" pitchFamily="18" charset="0"/>
-                <a:cs typeface="Times New Roman" panose="02020603050405020304" pitchFamily="18" charset="0"/>
-              </a:rPr>
-              <a:t>mẫu</a:t>
-            </a:r>
-            <a:r>
-              <a:rPr lang="en-US" sz="3200" b="1" dirty="0">
-                <a:latin typeface="Times New Roman" panose="02020603050405020304" pitchFamily="18" charset="0"/>
-                <a:cs typeface="Times New Roman" panose="02020603050405020304" pitchFamily="18" charset="0"/>
-              </a:rPr>
-              <a:t> </a:t>
-            </a:r>
-            <a:r>
-              <a:rPr lang="en-US" sz="3200" b="1" dirty="0" err="1">
-                <a:latin typeface="Times New Roman" panose="02020603050405020304" pitchFamily="18" charset="0"/>
-                <a:cs typeface="Times New Roman" panose="02020603050405020304" pitchFamily="18" charset="0"/>
-              </a:rPr>
-              <a:t>này</a:t>
-            </a:r>
-            <a:r>
-              <a:rPr lang="en-US" sz="3200" b="1" dirty="0">
-                <a:latin typeface="Times New Roman" panose="02020603050405020304" pitchFamily="18" charset="0"/>
-                <a:cs typeface="Times New Roman" panose="02020603050405020304" pitchFamily="18" charset="0"/>
-              </a:rPr>
-              <a:t>?</a:t>
-            </a:r>
-            <a:endParaRPr lang="en-US" sz="3200" dirty="0">
-              <a:latin typeface="Times New Roman" panose="02020603050405020304" pitchFamily="18" charset="0"/>
-              <a:cs typeface="Times New Roman" panose="02020603050405020304" pitchFamily="18" charset="0"/>
-            </a:endParaRPr>
-          </a:p>
-          <a:p>
-            <a:pPr marL="457200" lvl="0" indent="-457200">
-              <a:buFont typeface="Wingdings" panose="05000000000000000000" pitchFamily="2" charset="2"/>
-              <a:buChar char="Ø"/>
-              <a:defRPr/>
-            </a:pPr>
-            <a:r>
-              <a:rPr lang="en-US" sz="3200" dirty="0">
-                <a:latin typeface="Times New Roman" panose="02020603050405020304" pitchFamily="18" charset="0"/>
-                <a:cs typeface="Times New Roman" panose="02020603050405020304" pitchFamily="18" charset="0"/>
-              </a:rPr>
-              <a:t>Ta </a:t>
-            </a:r>
-            <a:r>
-              <a:rPr lang="en-US" sz="3200" dirty="0" err="1">
-                <a:latin typeface="Times New Roman" panose="02020603050405020304" pitchFamily="18" charset="0"/>
-                <a:cs typeface="Times New Roman" panose="02020603050405020304" pitchFamily="18" charset="0"/>
-              </a:rPr>
-              <a:t>sử</a:t>
-            </a:r>
-            <a:r>
-              <a:rPr lang="en-US" sz="3200" dirty="0">
-                <a:latin typeface="Times New Roman" panose="02020603050405020304" pitchFamily="18" charset="0"/>
-                <a:cs typeface="Times New Roman" panose="02020603050405020304" pitchFamily="18" charset="0"/>
-              </a:rPr>
-              <a:t> </a:t>
-            </a:r>
-            <a:r>
-              <a:rPr lang="en-US" sz="3200" dirty="0" err="1">
-                <a:latin typeface="Times New Roman" panose="02020603050405020304" pitchFamily="18" charset="0"/>
-                <a:cs typeface="Times New Roman" panose="02020603050405020304" pitchFamily="18" charset="0"/>
-              </a:rPr>
-              <a:t>dụng</a:t>
-            </a:r>
-            <a:r>
-              <a:rPr lang="en-US" sz="3200" dirty="0">
-                <a:latin typeface="Times New Roman" panose="02020603050405020304" pitchFamily="18" charset="0"/>
-                <a:cs typeface="Times New Roman" panose="02020603050405020304" pitchFamily="18" charset="0"/>
-              </a:rPr>
-              <a:t> </a:t>
-            </a:r>
-            <a:r>
-              <a:rPr lang="en-US" sz="3200" dirty="0" err="1">
-                <a:latin typeface="Times New Roman" panose="02020603050405020304" pitchFamily="18" charset="0"/>
-                <a:cs typeface="Times New Roman" panose="02020603050405020304" pitchFamily="18" charset="0"/>
-              </a:rPr>
-              <a:t>mẫu</a:t>
-            </a:r>
-            <a:r>
-              <a:rPr lang="en-US" sz="3200" dirty="0">
-                <a:latin typeface="Times New Roman" panose="02020603050405020304" pitchFamily="18" charset="0"/>
-                <a:cs typeface="Times New Roman" panose="02020603050405020304" pitchFamily="18" charset="0"/>
-              </a:rPr>
-              <a:t> </a:t>
-            </a:r>
-            <a:r>
-              <a:rPr lang="en-US" sz="3200" dirty="0" err="1">
-                <a:latin typeface="Times New Roman" panose="02020603050405020304" pitchFamily="18" charset="0"/>
-                <a:cs typeface="Times New Roman" panose="02020603050405020304" pitchFamily="18" charset="0"/>
-              </a:rPr>
-              <a:t>này</a:t>
-            </a:r>
-            <a:r>
-              <a:rPr lang="en-US" sz="3200" dirty="0">
-                <a:latin typeface="Times New Roman" panose="02020603050405020304" pitchFamily="18" charset="0"/>
-                <a:cs typeface="Times New Roman" panose="02020603050405020304" pitchFamily="18" charset="0"/>
-              </a:rPr>
-              <a:t> </a:t>
-            </a:r>
-            <a:r>
-              <a:rPr lang="en-US" sz="3200" dirty="0" err="1">
-                <a:latin typeface="Times New Roman" panose="02020603050405020304" pitchFamily="18" charset="0"/>
-                <a:cs typeface="Times New Roman" panose="02020603050405020304" pitchFamily="18" charset="0"/>
-              </a:rPr>
-              <a:t>vì</a:t>
-            </a:r>
-            <a:r>
-              <a:rPr lang="en-US" sz="3200" dirty="0">
-                <a:latin typeface="Times New Roman" panose="02020603050405020304" pitchFamily="18" charset="0"/>
-                <a:cs typeface="Times New Roman" panose="02020603050405020304" pitchFamily="18" charset="0"/>
-              </a:rPr>
-              <a:t> ta </a:t>
-            </a:r>
-            <a:r>
-              <a:rPr lang="en-US" sz="3200" dirty="0" err="1">
-                <a:latin typeface="Times New Roman" panose="02020603050405020304" pitchFamily="18" charset="0"/>
-                <a:cs typeface="Times New Roman" panose="02020603050405020304" pitchFamily="18" charset="0"/>
-              </a:rPr>
-              <a:t>cần</a:t>
-            </a:r>
-            <a:r>
-              <a:rPr lang="en-US" sz="3200" dirty="0">
-                <a:latin typeface="Times New Roman" panose="02020603050405020304" pitchFamily="18" charset="0"/>
-                <a:cs typeface="Times New Roman" panose="02020603050405020304" pitchFamily="18" charset="0"/>
-              </a:rPr>
-              <a:t> </a:t>
-            </a:r>
-            <a:r>
-              <a:rPr lang="en-US" sz="3200" dirty="0" err="1">
-                <a:latin typeface="Times New Roman" panose="02020603050405020304" pitchFamily="18" charset="0"/>
-                <a:cs typeface="Times New Roman" panose="02020603050405020304" pitchFamily="18" charset="0"/>
-              </a:rPr>
-              <a:t>tạo</a:t>
-            </a:r>
-            <a:r>
-              <a:rPr lang="en-US" sz="3200" dirty="0">
-                <a:latin typeface="Times New Roman" panose="02020603050405020304" pitchFamily="18" charset="0"/>
-                <a:cs typeface="Times New Roman" panose="02020603050405020304" pitchFamily="18" charset="0"/>
-              </a:rPr>
-              <a:t> 2 </a:t>
-            </a:r>
-            <a:r>
-              <a:rPr lang="en-US" sz="3200" dirty="0" err="1">
-                <a:latin typeface="Times New Roman" panose="02020603050405020304" pitchFamily="18" charset="0"/>
-                <a:cs typeface="Times New Roman" panose="02020603050405020304" pitchFamily="18" charset="0"/>
-              </a:rPr>
-              <a:t>loại</a:t>
-            </a:r>
-            <a:r>
-              <a:rPr lang="en-US" sz="3200" dirty="0">
-                <a:latin typeface="Times New Roman" panose="02020603050405020304" pitchFamily="18" charset="0"/>
-                <a:cs typeface="Times New Roman" panose="02020603050405020304" pitchFamily="18" charset="0"/>
-              </a:rPr>
-              <a:t> </a:t>
-            </a:r>
-            <a:r>
-              <a:rPr lang="en-US" sz="3200" dirty="0" err="1">
-                <a:latin typeface="Times New Roman" panose="02020603050405020304" pitchFamily="18" charset="0"/>
-                <a:cs typeface="Times New Roman" panose="02020603050405020304" pitchFamily="18" charset="0"/>
-              </a:rPr>
-              <a:t>đối</a:t>
-            </a:r>
-            <a:r>
-              <a:rPr lang="en-US" sz="3200" dirty="0">
-                <a:latin typeface="Times New Roman" panose="02020603050405020304" pitchFamily="18" charset="0"/>
-                <a:cs typeface="Times New Roman" panose="02020603050405020304" pitchFamily="18" charset="0"/>
-              </a:rPr>
-              <a:t> t</a:t>
-            </a:r>
-            <a:r>
-              <a:rPr lang="vi-VN" sz="3200" dirty="0">
-                <a:latin typeface="Times New Roman" panose="02020603050405020304" pitchFamily="18" charset="0"/>
-                <a:cs typeface="Times New Roman" panose="02020603050405020304" pitchFamily="18" charset="0"/>
-              </a:rPr>
-              <a:t>ư</a:t>
-            </a:r>
-            <a:r>
-              <a:rPr lang="en-US" sz="3200" dirty="0" err="1">
-                <a:latin typeface="Times New Roman" panose="02020603050405020304" pitchFamily="18" charset="0"/>
-                <a:cs typeface="Times New Roman" panose="02020603050405020304" pitchFamily="18" charset="0"/>
-              </a:rPr>
-              <a:t>ợng</a:t>
-            </a:r>
-            <a:r>
-              <a:rPr lang="en-US" sz="3200" dirty="0">
-                <a:latin typeface="Times New Roman" panose="02020603050405020304" pitchFamily="18" charset="0"/>
-                <a:cs typeface="Times New Roman" panose="02020603050405020304" pitchFamily="18" charset="0"/>
-              </a:rPr>
-              <a:t> </a:t>
-            </a:r>
-            <a:r>
-              <a:rPr lang="en-US" sz="3200" dirty="0" err="1">
-                <a:latin typeface="Times New Roman" panose="02020603050405020304" pitchFamily="18" charset="0"/>
-                <a:cs typeface="Times New Roman" panose="02020603050405020304" pitchFamily="18" charset="0"/>
-              </a:rPr>
-              <a:t>là</a:t>
-            </a:r>
-            <a:r>
-              <a:rPr lang="en-US" sz="3200" dirty="0">
-                <a:latin typeface="Times New Roman" panose="02020603050405020304" pitchFamily="18" charset="0"/>
-                <a:cs typeface="Times New Roman" panose="02020603050405020304" pitchFamily="18" charset="0"/>
-              </a:rPr>
-              <a:t> Car </a:t>
-            </a:r>
-            <a:r>
-              <a:rPr lang="en-US" sz="3200" dirty="0" err="1">
-                <a:latin typeface="Times New Roman" panose="02020603050405020304" pitchFamily="18" charset="0"/>
-                <a:cs typeface="Times New Roman" panose="02020603050405020304" pitchFamily="18" charset="0"/>
-              </a:rPr>
-              <a:t>và</a:t>
-            </a:r>
-            <a:r>
-              <a:rPr lang="en-US" sz="3200" dirty="0">
-                <a:latin typeface="Times New Roman" panose="02020603050405020304" pitchFamily="18" charset="0"/>
-                <a:cs typeface="Times New Roman" panose="02020603050405020304" pitchFamily="18" charset="0"/>
-              </a:rPr>
-              <a:t> </a:t>
-            </a:r>
-            <a:r>
-              <a:rPr lang="en-US" sz="3200" dirty="0" err="1">
-                <a:latin typeface="Times New Roman" panose="02020603050405020304" pitchFamily="18" charset="0"/>
-                <a:cs typeface="Times New Roman" panose="02020603050405020304" pitchFamily="18" charset="0"/>
-              </a:rPr>
-              <a:t>MotorCycle</a:t>
-            </a:r>
-            <a:r>
-              <a:rPr lang="en-US" sz="3200" dirty="0">
-                <a:latin typeface="Times New Roman" panose="02020603050405020304" pitchFamily="18" charset="0"/>
-                <a:cs typeface="Times New Roman" panose="02020603050405020304" pitchFamily="18" charset="0"/>
-              </a:rPr>
-              <a:t>.</a:t>
-            </a:r>
-          </a:p>
-          <a:p>
-            <a:pPr marL="457200" lvl="0" indent="-457200">
-              <a:buFont typeface="Wingdings" panose="05000000000000000000" pitchFamily="2" charset="2"/>
-              <a:buChar char="Ø"/>
-              <a:defRPr/>
-            </a:pPr>
-            <a:r>
-              <a:rPr lang="en-US" sz="3200" dirty="0" err="1">
-                <a:latin typeface="Times New Roman" panose="02020603050405020304" pitchFamily="18" charset="0"/>
-                <a:cs typeface="Times New Roman" panose="02020603050405020304" pitchFamily="18" charset="0"/>
-              </a:rPr>
-              <a:t>Cả</a:t>
-            </a:r>
-            <a:r>
-              <a:rPr lang="en-US" sz="3200" dirty="0">
-                <a:latin typeface="Times New Roman" panose="02020603050405020304" pitchFamily="18" charset="0"/>
-                <a:cs typeface="Times New Roman" panose="02020603050405020304" pitchFamily="18" charset="0"/>
-              </a:rPr>
-              <a:t> 2 </a:t>
-            </a:r>
-            <a:r>
-              <a:rPr lang="en-US" sz="3200" dirty="0" err="1">
-                <a:latin typeface="Times New Roman" panose="02020603050405020304" pitchFamily="18" charset="0"/>
-                <a:cs typeface="Times New Roman" panose="02020603050405020304" pitchFamily="18" charset="0"/>
-              </a:rPr>
-              <a:t>loại</a:t>
-            </a:r>
-            <a:r>
-              <a:rPr lang="en-US" sz="3200" dirty="0">
-                <a:latin typeface="Times New Roman" panose="02020603050405020304" pitchFamily="18" charset="0"/>
-                <a:cs typeface="Times New Roman" panose="02020603050405020304" pitchFamily="18" charset="0"/>
-              </a:rPr>
-              <a:t> </a:t>
-            </a:r>
-            <a:r>
-              <a:rPr lang="en-US" sz="3200" dirty="0" err="1">
-                <a:latin typeface="Times New Roman" panose="02020603050405020304" pitchFamily="18" charset="0"/>
-                <a:cs typeface="Times New Roman" panose="02020603050405020304" pitchFamily="18" charset="0"/>
-              </a:rPr>
-              <a:t>đối</a:t>
-            </a:r>
-            <a:r>
-              <a:rPr lang="en-US" sz="3200" dirty="0">
-                <a:latin typeface="Times New Roman" panose="02020603050405020304" pitchFamily="18" charset="0"/>
-                <a:cs typeface="Times New Roman" panose="02020603050405020304" pitchFamily="18" charset="0"/>
-              </a:rPr>
-              <a:t> t</a:t>
-            </a:r>
-            <a:r>
-              <a:rPr lang="vi-VN" sz="3200" dirty="0">
-                <a:latin typeface="Times New Roman" panose="02020603050405020304" pitchFamily="18" charset="0"/>
-                <a:cs typeface="Times New Roman" panose="02020603050405020304" pitchFamily="18" charset="0"/>
-              </a:rPr>
-              <a:t>ư</a:t>
-            </a:r>
-            <a:r>
-              <a:rPr lang="en-US" sz="3200" dirty="0" err="1">
-                <a:latin typeface="Times New Roman" panose="02020603050405020304" pitchFamily="18" charset="0"/>
-                <a:cs typeface="Times New Roman" panose="02020603050405020304" pitchFamily="18" charset="0"/>
-              </a:rPr>
-              <a:t>ợng</a:t>
-            </a:r>
-            <a:r>
-              <a:rPr lang="en-US" sz="3200" dirty="0">
-                <a:latin typeface="Times New Roman" panose="02020603050405020304" pitchFamily="18" charset="0"/>
-                <a:cs typeface="Times New Roman" panose="02020603050405020304" pitchFamily="18" charset="0"/>
-              </a:rPr>
-              <a:t> </a:t>
-            </a:r>
-            <a:r>
-              <a:rPr lang="en-US" sz="3200" dirty="0" err="1">
-                <a:latin typeface="Times New Roman" panose="02020603050405020304" pitchFamily="18" charset="0"/>
-                <a:cs typeface="Times New Roman" panose="02020603050405020304" pitchFamily="18" charset="0"/>
-              </a:rPr>
-              <a:t>này</a:t>
-            </a:r>
-            <a:r>
-              <a:rPr lang="en-US" sz="3200" dirty="0">
-                <a:latin typeface="Times New Roman" panose="02020603050405020304" pitchFamily="18" charset="0"/>
-                <a:cs typeface="Times New Roman" panose="02020603050405020304" pitchFamily="18" charset="0"/>
-              </a:rPr>
-              <a:t> </a:t>
-            </a:r>
-            <a:r>
-              <a:rPr lang="en-US" sz="3200" dirty="0" err="1">
-                <a:latin typeface="Times New Roman" panose="02020603050405020304" pitchFamily="18" charset="0"/>
-                <a:cs typeface="Times New Roman" panose="02020603050405020304" pitchFamily="18" charset="0"/>
-              </a:rPr>
-              <a:t>đều</a:t>
-            </a:r>
-            <a:r>
-              <a:rPr lang="en-US" sz="3200" dirty="0">
-                <a:latin typeface="Times New Roman" panose="02020603050405020304" pitchFamily="18" charset="0"/>
-                <a:cs typeface="Times New Roman" panose="02020603050405020304" pitchFamily="18" charset="0"/>
-              </a:rPr>
-              <a:t> </a:t>
-            </a:r>
-            <a:r>
-              <a:rPr lang="en-US" sz="3200" dirty="0" err="1">
-                <a:latin typeface="Times New Roman" panose="02020603050405020304" pitchFamily="18" charset="0"/>
-                <a:cs typeface="Times New Roman" panose="02020603050405020304" pitchFamily="18" charset="0"/>
-              </a:rPr>
-              <a:t>có</a:t>
-            </a:r>
-            <a:r>
-              <a:rPr lang="en-US" sz="3200" dirty="0">
-                <a:latin typeface="Times New Roman" panose="02020603050405020304" pitchFamily="18" charset="0"/>
-                <a:cs typeface="Times New Roman" panose="02020603050405020304" pitchFamily="18" charset="0"/>
-              </a:rPr>
-              <a:t> </a:t>
-            </a:r>
-            <a:r>
-              <a:rPr lang="en-US" sz="3200" dirty="0" err="1">
-                <a:latin typeface="Times New Roman" panose="02020603050405020304" pitchFamily="18" charset="0"/>
-                <a:cs typeface="Times New Roman" panose="02020603050405020304" pitchFamily="18" charset="0"/>
-              </a:rPr>
-              <a:t>cấu</a:t>
-            </a:r>
-            <a:r>
-              <a:rPr lang="en-US" sz="3200" dirty="0">
-                <a:latin typeface="Times New Roman" panose="02020603050405020304" pitchFamily="18" charset="0"/>
-                <a:cs typeface="Times New Roman" panose="02020603050405020304" pitchFamily="18" charset="0"/>
-              </a:rPr>
-              <a:t> </a:t>
-            </a:r>
-            <a:r>
-              <a:rPr lang="en-US" sz="3200" dirty="0" err="1">
-                <a:latin typeface="Times New Roman" panose="02020603050405020304" pitchFamily="18" charset="0"/>
-                <a:cs typeface="Times New Roman" panose="02020603050405020304" pitchFamily="18" charset="0"/>
-              </a:rPr>
-              <a:t>trúc</a:t>
-            </a:r>
-            <a:r>
-              <a:rPr lang="en-US" sz="3200" dirty="0">
-                <a:latin typeface="Times New Roman" panose="02020603050405020304" pitchFamily="18" charset="0"/>
-                <a:cs typeface="Times New Roman" panose="02020603050405020304" pitchFamily="18" charset="0"/>
-              </a:rPr>
-              <a:t> </a:t>
-            </a:r>
-            <a:r>
-              <a:rPr lang="en-US" sz="3200" dirty="0" err="1">
-                <a:latin typeface="Times New Roman" panose="02020603050405020304" pitchFamily="18" charset="0"/>
-                <a:cs typeface="Times New Roman" panose="02020603050405020304" pitchFamily="18" charset="0"/>
-              </a:rPr>
-              <a:t>phức</a:t>
-            </a:r>
-            <a:r>
-              <a:rPr lang="en-US" sz="3200" dirty="0">
-                <a:latin typeface="Times New Roman" panose="02020603050405020304" pitchFamily="18" charset="0"/>
-                <a:cs typeface="Times New Roman" panose="02020603050405020304" pitchFamily="18" charset="0"/>
-              </a:rPr>
-              <a:t> </a:t>
-            </a:r>
-            <a:r>
-              <a:rPr lang="en-US" sz="3200" dirty="0" err="1">
-                <a:latin typeface="Times New Roman" panose="02020603050405020304" pitchFamily="18" charset="0"/>
-                <a:cs typeface="Times New Roman" panose="02020603050405020304" pitchFamily="18" charset="0"/>
-              </a:rPr>
-              <a:t>tạp</a:t>
-            </a:r>
-            <a:r>
-              <a:rPr lang="en-US" sz="3200" dirty="0">
-                <a:latin typeface="Times New Roman" panose="02020603050405020304" pitchFamily="18" charset="0"/>
-                <a:cs typeface="Times New Roman" panose="02020603050405020304" pitchFamily="18" charset="0"/>
-              </a:rPr>
-              <a:t>.</a:t>
-            </a:r>
-          </a:p>
-          <a:p>
-            <a:pPr marL="457200" lvl="0" indent="-457200">
-              <a:buFont typeface="Wingdings" panose="05000000000000000000" pitchFamily="2" charset="2"/>
-              <a:buChar char="Ø"/>
-              <a:defRPr/>
-            </a:pPr>
-            <a:r>
-              <a:rPr lang="en-US" sz="3200" dirty="0">
-                <a:latin typeface="Times New Roman" panose="02020603050405020304" pitchFamily="18" charset="0"/>
-                <a:cs typeface="Times New Roman" panose="02020603050405020304" pitchFamily="18" charset="0"/>
-              </a:rPr>
-              <a:t>Ta </a:t>
-            </a:r>
-            <a:r>
-              <a:rPr lang="en-US" sz="3200" dirty="0" err="1">
-                <a:latin typeface="Times New Roman" panose="02020603050405020304" pitchFamily="18" charset="0"/>
-                <a:cs typeface="Times New Roman" panose="02020603050405020304" pitchFamily="18" charset="0"/>
-              </a:rPr>
-              <a:t>sử</a:t>
-            </a:r>
-            <a:r>
-              <a:rPr lang="en-US" sz="3200" dirty="0">
-                <a:latin typeface="Times New Roman" panose="02020603050405020304" pitchFamily="18" charset="0"/>
-                <a:cs typeface="Times New Roman" panose="02020603050405020304" pitchFamily="18" charset="0"/>
-              </a:rPr>
-              <a:t> </a:t>
-            </a:r>
-            <a:r>
-              <a:rPr lang="en-US" sz="3200" dirty="0" err="1">
-                <a:latin typeface="Times New Roman" panose="02020603050405020304" pitchFamily="18" charset="0"/>
-                <a:cs typeface="Times New Roman" panose="02020603050405020304" pitchFamily="18" charset="0"/>
-              </a:rPr>
-              <a:t>dụng</a:t>
-            </a:r>
-            <a:r>
-              <a:rPr lang="en-US" sz="3200" dirty="0">
-                <a:latin typeface="Times New Roman" panose="02020603050405020304" pitchFamily="18" charset="0"/>
-                <a:cs typeface="Times New Roman" panose="02020603050405020304" pitchFamily="18" charset="0"/>
-              </a:rPr>
-              <a:t> Builder </a:t>
-            </a:r>
-            <a:r>
-              <a:rPr lang="en-US" sz="3200" dirty="0" err="1">
-                <a:latin typeface="Times New Roman" panose="02020603050405020304" pitchFamily="18" charset="0"/>
-                <a:cs typeface="Times New Roman" panose="02020603050405020304" pitchFamily="18" charset="0"/>
-              </a:rPr>
-              <a:t>để</a:t>
-            </a:r>
-            <a:r>
-              <a:rPr lang="en-US" sz="3200" dirty="0">
-                <a:latin typeface="Times New Roman" panose="02020603050405020304" pitchFamily="18" charset="0"/>
-                <a:cs typeface="Times New Roman" panose="02020603050405020304" pitchFamily="18" charset="0"/>
-              </a:rPr>
-              <a:t> </a:t>
-            </a:r>
-            <a:r>
-              <a:rPr lang="en-US" sz="3200" dirty="0" err="1">
-                <a:latin typeface="Times New Roman" panose="02020603050405020304" pitchFamily="18" charset="0"/>
-                <a:cs typeface="Times New Roman" panose="02020603050405020304" pitchFamily="18" charset="0"/>
-              </a:rPr>
-              <a:t>giúp</a:t>
-            </a:r>
-            <a:r>
-              <a:rPr lang="en-US" sz="3200" dirty="0">
-                <a:latin typeface="Times New Roman" panose="02020603050405020304" pitchFamily="18" charset="0"/>
-                <a:cs typeface="Times New Roman" panose="02020603050405020304" pitchFamily="18" charset="0"/>
-              </a:rPr>
-              <a:t> </a:t>
-            </a:r>
-            <a:r>
-              <a:rPr lang="en-US" sz="3200" dirty="0" err="1">
-                <a:latin typeface="Times New Roman" panose="02020603050405020304" pitchFamily="18" charset="0"/>
-                <a:cs typeface="Times New Roman" panose="02020603050405020304" pitchFamily="18" charset="0"/>
-              </a:rPr>
-              <a:t>tạo</a:t>
-            </a:r>
-            <a:r>
-              <a:rPr lang="en-US" sz="3200" dirty="0">
-                <a:latin typeface="Times New Roman" panose="02020603050405020304" pitchFamily="18" charset="0"/>
-                <a:cs typeface="Times New Roman" panose="02020603050405020304" pitchFamily="18" charset="0"/>
-              </a:rPr>
-              <a:t> </a:t>
-            </a:r>
-            <a:r>
-              <a:rPr lang="en-US" sz="3200" dirty="0" err="1">
-                <a:latin typeface="Times New Roman" panose="02020603050405020304" pitchFamily="18" charset="0"/>
-                <a:cs typeface="Times New Roman" panose="02020603050405020304" pitchFamily="18" charset="0"/>
-              </a:rPr>
-              <a:t>các</a:t>
-            </a:r>
-            <a:r>
-              <a:rPr lang="en-US" sz="3200" dirty="0">
-                <a:latin typeface="Times New Roman" panose="02020603050405020304" pitchFamily="18" charset="0"/>
-                <a:cs typeface="Times New Roman" panose="02020603050405020304" pitchFamily="18" charset="0"/>
-              </a:rPr>
-              <a:t> </a:t>
-            </a:r>
-            <a:r>
-              <a:rPr lang="en-US" sz="3200" dirty="0" err="1">
-                <a:latin typeface="Times New Roman" panose="02020603050405020304" pitchFamily="18" charset="0"/>
-                <a:cs typeface="Times New Roman" panose="02020603050405020304" pitchFamily="18" charset="0"/>
-              </a:rPr>
-              <a:t>đối</a:t>
-            </a:r>
-            <a:r>
-              <a:rPr lang="en-US" sz="3200" dirty="0">
-                <a:latin typeface="Times New Roman" panose="02020603050405020304" pitchFamily="18" charset="0"/>
-                <a:cs typeface="Times New Roman" panose="02020603050405020304" pitchFamily="18" charset="0"/>
-              </a:rPr>
-              <a:t> t</a:t>
-            </a:r>
-            <a:r>
-              <a:rPr lang="vi-VN" sz="3200" dirty="0">
-                <a:latin typeface="Times New Roman" panose="02020603050405020304" pitchFamily="18" charset="0"/>
-                <a:cs typeface="Times New Roman" panose="02020603050405020304" pitchFamily="18" charset="0"/>
-              </a:rPr>
-              <a:t>ư</a:t>
-            </a:r>
-            <a:r>
-              <a:rPr lang="en-US" sz="3200" dirty="0" err="1">
-                <a:latin typeface="Times New Roman" panose="02020603050405020304" pitchFamily="18" charset="0"/>
-                <a:cs typeface="Times New Roman" panose="02020603050405020304" pitchFamily="18" charset="0"/>
-              </a:rPr>
-              <a:t>ợng</a:t>
-            </a:r>
-            <a:r>
-              <a:rPr lang="en-US" sz="3200" dirty="0">
-                <a:latin typeface="Times New Roman" panose="02020603050405020304" pitchFamily="18" charset="0"/>
-                <a:cs typeface="Times New Roman" panose="02020603050405020304" pitchFamily="18" charset="0"/>
-              </a:rPr>
-              <a:t> </a:t>
-            </a:r>
-            <a:r>
-              <a:rPr lang="en-US" sz="3200" dirty="0" err="1">
-                <a:latin typeface="Times New Roman" panose="02020603050405020304" pitchFamily="18" charset="0"/>
-                <a:cs typeface="Times New Roman" panose="02020603050405020304" pitchFamily="18" charset="0"/>
-              </a:rPr>
-              <a:t>như</a:t>
-            </a:r>
-            <a:r>
-              <a:rPr lang="en-US" sz="3200" dirty="0">
-                <a:latin typeface="Times New Roman" panose="02020603050405020304" pitchFamily="18" charset="0"/>
-                <a:cs typeface="Times New Roman" panose="02020603050405020304" pitchFamily="18" charset="0"/>
-              </a:rPr>
-              <a:t> </a:t>
-            </a:r>
-            <a:r>
-              <a:rPr lang="en-US" sz="3200" dirty="0" err="1">
-                <a:latin typeface="Times New Roman" panose="02020603050405020304" pitchFamily="18" charset="0"/>
-                <a:cs typeface="Times New Roman" panose="02020603050405020304" pitchFamily="18" charset="0"/>
-              </a:rPr>
-              <a:t>vậy</a:t>
-            </a:r>
-            <a:r>
-              <a:rPr lang="en-US" sz="3200" dirty="0">
-                <a:latin typeface="Times New Roman" panose="02020603050405020304" pitchFamily="18" charset="0"/>
-                <a:cs typeface="Times New Roman" panose="02020603050405020304" pitchFamily="18" charset="0"/>
-              </a:rPr>
-              <a:t> </a:t>
-            </a:r>
-            <a:r>
-              <a:rPr lang="en-US" sz="3200" dirty="0" err="1">
-                <a:latin typeface="Times New Roman" panose="02020603050405020304" pitchFamily="18" charset="0"/>
-                <a:cs typeface="Times New Roman" panose="02020603050405020304" pitchFamily="18" charset="0"/>
-              </a:rPr>
-              <a:t>dễ</a:t>
-            </a:r>
-            <a:r>
-              <a:rPr lang="en-US" sz="3200" dirty="0">
-                <a:latin typeface="Times New Roman" panose="02020603050405020304" pitchFamily="18" charset="0"/>
-                <a:cs typeface="Times New Roman" panose="02020603050405020304" pitchFamily="18" charset="0"/>
-              </a:rPr>
-              <a:t> </a:t>
-            </a:r>
-            <a:r>
-              <a:rPr lang="en-US" sz="3200" dirty="0" err="1">
-                <a:latin typeface="Times New Roman" panose="02020603050405020304" pitchFamily="18" charset="0"/>
-                <a:cs typeface="Times New Roman" panose="02020603050405020304" pitchFamily="18" charset="0"/>
-              </a:rPr>
-              <a:t>dàng</a:t>
-            </a:r>
-            <a:r>
-              <a:rPr lang="en-US" sz="3200" dirty="0">
-                <a:latin typeface="Times New Roman" panose="02020603050405020304" pitchFamily="18" charset="0"/>
-                <a:cs typeface="Times New Roman" panose="02020603050405020304" pitchFamily="18" charset="0"/>
-              </a:rPr>
-              <a:t> h</a:t>
-            </a:r>
-            <a:r>
-              <a:rPr lang="vi-VN" sz="3200" dirty="0">
-                <a:latin typeface="Times New Roman" panose="02020603050405020304" pitchFamily="18" charset="0"/>
-                <a:cs typeface="Times New Roman" panose="02020603050405020304" pitchFamily="18" charset="0"/>
-              </a:rPr>
-              <a:t>ơ</a:t>
-            </a:r>
-            <a:r>
-              <a:rPr lang="en-US" sz="3200" dirty="0">
-                <a:latin typeface="Times New Roman" panose="02020603050405020304" pitchFamily="18" charset="0"/>
-                <a:cs typeface="Times New Roman" panose="02020603050405020304" pitchFamily="18" charset="0"/>
-              </a:rPr>
-              <a:t>n </a:t>
-            </a:r>
-            <a:r>
-              <a:rPr lang="en-US" sz="3200" dirty="0" err="1">
-                <a:latin typeface="Times New Roman" panose="02020603050405020304" pitchFamily="18" charset="0"/>
-                <a:cs typeface="Times New Roman" panose="02020603050405020304" pitchFamily="18" charset="0"/>
-              </a:rPr>
-              <a:t>thông</a:t>
-            </a:r>
-            <a:r>
-              <a:rPr lang="en-US" sz="3200" dirty="0">
-                <a:latin typeface="Times New Roman" panose="02020603050405020304" pitchFamily="18" charset="0"/>
-                <a:cs typeface="Times New Roman" panose="02020603050405020304" pitchFamily="18" charset="0"/>
-              </a:rPr>
-              <a:t> </a:t>
-            </a:r>
-            <a:r>
-              <a:rPr lang="en-US" sz="3200" dirty="0" err="1">
-                <a:latin typeface="Times New Roman" panose="02020603050405020304" pitchFamily="18" charset="0"/>
-                <a:cs typeface="Times New Roman" panose="02020603050405020304" pitchFamily="18" charset="0"/>
-              </a:rPr>
-              <a:t>th</a:t>
-            </a:r>
-            <a:r>
-              <a:rPr lang="vi-VN" sz="3200" dirty="0">
-                <a:latin typeface="Times New Roman" panose="02020603050405020304" pitchFamily="18" charset="0"/>
-                <a:cs typeface="Times New Roman" panose="02020603050405020304" pitchFamily="18" charset="0"/>
-              </a:rPr>
-              <a:t>ư</a:t>
-            </a:r>
-            <a:r>
-              <a:rPr lang="en-US" sz="3200" dirty="0" err="1">
-                <a:latin typeface="Times New Roman" panose="02020603050405020304" pitchFamily="18" charset="0"/>
-                <a:cs typeface="Times New Roman" panose="02020603050405020304" pitchFamily="18" charset="0"/>
-              </a:rPr>
-              <a:t>ờng</a:t>
-            </a:r>
-            <a:r>
-              <a:rPr lang="en-US" sz="3200" dirty="0">
-                <a:latin typeface="Times New Roman" panose="02020603050405020304" pitchFamily="18" charset="0"/>
-                <a:cs typeface="Times New Roman" panose="02020603050405020304" pitchFamily="18" charset="0"/>
-              </a:rPr>
-              <a:t>.</a:t>
-            </a:r>
-            <a:r>
-              <a:rPr lang="en-US" sz="3200" dirty="0">
-                <a:latin typeface="Times New Roman" panose="02020603050405020304" pitchFamily="18" charset="0"/>
-                <a:cs typeface="Times New Roman" panose="02020603050405020304" pitchFamily="18" charset="0"/>
-              </a:rPr>
-              <a:t> </a:t>
-            </a:r>
-          </a:p>
-          <a:p>
-            <a:endParaRPr lang="en-US" sz="3200" dirty="0">
-              <a:latin typeface="Times New Roman" panose="02020603050405020304" pitchFamily="18" charset="0"/>
-              <a:cs typeface="Times New Roman" panose="02020603050405020304" pitchFamily="18" charset="0"/>
-            </a:endParaRPr>
-          </a:p>
-        </p:txBody>
-      </p:sp>
-    </p:spTree>
-    <p:extLst>
-      <p:ext uri="{BB962C8B-B14F-4D97-AF65-F5344CB8AC3E}">
-        <p14:creationId xmlns:p14="http://schemas.microsoft.com/office/powerpoint/2010/main" val="3714062210"/>
-      </p:ext>
-    </p:extLst>
-  </p:cSld>
-  <p:clrMapOvr>
-    <a:masterClrMapping/>
-  </p:clrMapOvr>
-  <p:transition spd="slow">
-    <p:push dir="u"/>
-  </p:transition>
-</p:sld>
-</file>
-
-<file path=ppt/slides/slide14.xml><?xml version="1.0" encoding="utf-8"?>
-<p:sld xmlns:a="http://schemas.openxmlformats.org/drawingml/2006/main" xmlns:r="http://schemas.openxmlformats.org/officeDocument/2006/relationships" xmlns:p="http://schemas.openxmlformats.org/presentationml/2006/main">
-  <p:cSld>
-    <p:spTree>
-      <p:nvGrpSpPr>
-        <p:cNvPr id="1" name=""/>
-        <p:cNvGrpSpPr/>
-        <p:nvPr/>
-      </p:nvGrpSpPr>
-      <p:grpSpPr>
-        <a:xfrm>
-          <a:off x="0" y="0"/>
-          <a:ext cx="0" cy="0"/>
-          <a:chOff x="0" y="0"/>
-          <a:chExt cx="0" cy="0"/>
-        </a:xfrm>
-      </p:grpSpPr>
-      <p:sp>
-        <p:nvSpPr>
-          <p:cNvPr id="4" name="Rectangle 3"/>
-          <p:cNvSpPr/>
-          <p:nvPr/>
-        </p:nvSpPr>
-        <p:spPr>
-          <a:xfrm>
-            <a:off x="0" y="0"/>
-            <a:ext cx="12192000" cy="1346200"/>
-          </a:xfrm>
-          <a:prstGeom prst="rect">
-            <a:avLst/>
-          </a:prstGeom>
-          <a:ln>
-            <a:noFill/>
-          </a:ln>
-        </p:spPr>
-        <p:style>
-          <a:lnRef idx="2">
-            <a:schemeClr val="accent1">
-              <a:shade val="50000"/>
-            </a:schemeClr>
-          </a:lnRef>
-          <a:fillRef idx="1">
-            <a:schemeClr val="accent1"/>
-          </a:fillRef>
-          <a:effectRef idx="0">
-            <a:schemeClr val="accent1"/>
-          </a:effectRef>
-          <a:fontRef idx="minor">
-            <a:schemeClr val="lt1"/>
-          </a:fontRef>
-        </p:style>
-        <p:txBody>
-          <a:bodyPr rtlCol="0" anchor="ctr"/>
-          <a:lstStyle/>
-          <a:p>
-            <a:pPr algn="ctr"/>
-            <a:r>
-              <a:rPr lang="en-US" sz="6000" b="1" dirty="0">
-                <a:latin typeface="Times New Roman" panose="02020603050405020304" pitchFamily="18" charset="0"/>
-                <a:cs typeface="Times New Roman" panose="02020603050405020304" pitchFamily="18" charset="0"/>
-              </a:rPr>
-              <a:t>Builder</a:t>
-            </a:r>
-            <a:r>
-              <a:rPr lang="en-GB" sz="6000" b="1" dirty="0"/>
-              <a:t> </a:t>
-            </a:r>
-            <a:r>
-              <a:rPr lang="vi-VN" sz="6000" b="1" dirty="0"/>
-              <a:t>Pattern</a:t>
-            </a:r>
-            <a:endParaRPr lang="en-US" sz="6000" b="1" dirty="0"/>
           </a:p>
         </p:txBody>
       </p:sp>
@@ -9965,7 +8850,7 @@
 </p:sld>
 </file>
 
-<file path=ppt/slides/slide15.xml><?xml version="1.0" encoding="utf-8"?>
+<file path=ppt/slides/slide14.xml><?xml version="1.0" encoding="utf-8"?>
 <p:sld xmlns:a="http://schemas.openxmlformats.org/drawingml/2006/main" xmlns:r="http://schemas.openxmlformats.org/officeDocument/2006/relationships" xmlns:p="http://schemas.openxmlformats.org/presentationml/2006/main">
   <p:cSld>
     <p:spTree>
@@ -10033,10 +8918,14 @@
               <a:t> </a:t>
             </a:r>
             <a:r>
-              <a:rPr lang="vi-VN" sz="6000" b="1" dirty="0"/>
+              <a:rPr lang="vi-VN" sz="6000" b="1" dirty="0">
+                <a:latin typeface="+mj-lt"/>
+              </a:rPr>
               <a:t>Pattern</a:t>
             </a:r>
-            <a:endParaRPr lang="en-US" sz="6000" b="1" dirty="0"/>
+            <a:endParaRPr lang="en-US" sz="6000" b="1" dirty="0">
+              <a:latin typeface="+mj-lt"/>
+            </a:endParaRPr>
           </a:p>
         </p:txBody>
       </p:sp>
@@ -10321,7 +9210,7 @@
 </p:sld>
 </file>
 
-<file path=ppt/slides/slide16.xml><?xml version="1.0" encoding="utf-8"?>
+<file path=ppt/slides/slide15.xml><?xml version="1.0" encoding="utf-8"?>
 <p:sld xmlns:a="http://schemas.openxmlformats.org/drawingml/2006/main" xmlns:r="http://schemas.openxmlformats.org/officeDocument/2006/relationships" xmlns:p="http://schemas.openxmlformats.org/presentationml/2006/main">
   <p:cSld>
     <p:spTree>
@@ -10389,10 +9278,14 @@
               <a:t> </a:t>
             </a:r>
             <a:r>
-              <a:rPr lang="vi-VN" sz="6000" b="1" dirty="0"/>
+              <a:rPr lang="vi-VN" sz="6000" b="1" dirty="0">
+                <a:latin typeface="+mj-lt"/>
+              </a:rPr>
               <a:t>Pattern</a:t>
             </a:r>
-            <a:endParaRPr lang="en-US" sz="6000" b="1" dirty="0"/>
+            <a:endParaRPr lang="en-US" sz="6000" b="1" dirty="0">
+              <a:latin typeface="+mj-lt"/>
+            </a:endParaRPr>
           </a:p>
         </p:txBody>
       </p:sp>
@@ -10677,7 +9570,7 @@
 </p:sld>
 </file>
 
-<file path=ppt/slides/slide17.xml><?xml version="1.0" encoding="utf-8"?>
+<file path=ppt/slides/slide16.xml><?xml version="1.0" encoding="utf-8"?>
 <p:sld xmlns:a="http://schemas.openxmlformats.org/drawingml/2006/main" xmlns:r="http://schemas.openxmlformats.org/officeDocument/2006/relationships" xmlns:p="http://schemas.openxmlformats.org/presentationml/2006/main">
   <p:cSld>
     <p:spTree>
@@ -10745,10 +9638,14 @@
               <a:t> </a:t>
             </a:r>
             <a:r>
-              <a:rPr lang="vi-VN" sz="6000" b="1" dirty="0"/>
+              <a:rPr lang="vi-VN" sz="6000" b="1" dirty="0">
+                <a:latin typeface="+mj-lt"/>
+              </a:rPr>
               <a:t>Pattern</a:t>
             </a:r>
-            <a:endParaRPr lang="en-US" sz="6000" b="1" dirty="0"/>
+            <a:endParaRPr lang="en-US" sz="6000" b="1" dirty="0">
+              <a:latin typeface="+mj-lt"/>
+            </a:endParaRPr>
           </a:p>
         </p:txBody>
       </p:sp>
@@ -11033,7 +9930,7 @@
 </p:sld>
 </file>
 
-<file path=ppt/slides/slide18.xml><?xml version="1.0" encoding="utf-8"?>
+<file path=ppt/slides/slide17.xml><?xml version="1.0" encoding="utf-8"?>
 <p:sld xmlns:a="http://schemas.openxmlformats.org/drawingml/2006/main" xmlns:r="http://schemas.openxmlformats.org/officeDocument/2006/relationships" xmlns:p="http://schemas.openxmlformats.org/presentationml/2006/main">
   <p:cSld>
     <p:spTree>
@@ -11101,10 +9998,14 @@
               <a:t> </a:t>
             </a:r>
             <a:r>
-              <a:rPr lang="vi-VN" sz="6000" b="1" dirty="0"/>
+              <a:rPr lang="vi-VN" sz="6000" b="1" dirty="0">
+                <a:latin typeface="+mj-lt"/>
+              </a:rPr>
               <a:t>Pattern</a:t>
             </a:r>
-            <a:endParaRPr lang="en-US" sz="6000" b="1" dirty="0"/>
+            <a:endParaRPr lang="en-US" sz="6000" b="1" dirty="0">
+              <a:latin typeface="+mj-lt"/>
+            </a:endParaRPr>
           </a:p>
         </p:txBody>
       </p:sp>
@@ -11515,7 +10416,8 @@
           <a:p>
             <a:r>
               <a:rPr lang="en-US" sz="3200" dirty="0">
-                <a:latin typeface="+mj-lt"/>
+                <a:latin typeface="Times New Roman" panose="02020603050405020304" pitchFamily="18" charset="0"/>
+                <a:cs typeface="Times New Roman" panose="02020603050405020304" pitchFamily="18" charset="0"/>
               </a:rPr>
               <a:t>B</a:t>
             </a:r>
@@ -11716,6 +10618,58 @@
             <a:endParaRPr lang="en-US" sz="6000" b="1" dirty="0">
               <a:latin typeface="+mj-lt"/>
             </a:endParaRPr>
+          </a:p>
+        </p:txBody>
+      </p:sp>
+      <p:sp>
+        <p:nvSpPr>
+          <p:cNvPr id="7" name="Rectangle 6"/>
+          <p:cNvSpPr/>
+          <p:nvPr/>
+        </p:nvSpPr>
+        <p:spPr>
+          <a:xfrm>
+            <a:off x="757644" y="5938336"/>
+            <a:ext cx="11434356" cy="584775"/>
+          </a:xfrm>
+          <a:prstGeom prst="rect">
+            <a:avLst/>
+          </a:prstGeom>
+        </p:spPr>
+        <p:txBody>
+          <a:bodyPr wrap="square">
+            <a:spAutoFit/>
+          </a:bodyPr>
+          <a:lstStyle/>
+          <a:p>
+            <a:r>
+              <a:rPr lang="en-US" sz="3200" dirty="0" err="1">
+                <a:latin typeface="Times New Roman" panose="02020603050405020304" pitchFamily="18" charset="0"/>
+                <a:cs typeface="Times New Roman" panose="02020603050405020304" pitchFamily="18" charset="0"/>
+              </a:rPr>
+              <a:t>Không</a:t>
+            </a:r>
+            <a:r>
+              <a:rPr lang="en-US" sz="3200" dirty="0">
+                <a:latin typeface="Times New Roman" panose="02020603050405020304" pitchFamily="18" charset="0"/>
+                <a:cs typeface="Times New Roman" panose="02020603050405020304" pitchFamily="18" charset="0"/>
+              </a:rPr>
+              <a:t> </a:t>
+            </a:r>
+            <a:r>
+              <a:rPr lang="en-US" sz="3200" dirty="0" err="1">
+                <a:latin typeface="Times New Roman" panose="02020603050405020304" pitchFamily="18" charset="0"/>
+                <a:cs typeface="Times New Roman" panose="02020603050405020304" pitchFamily="18" charset="0"/>
+              </a:rPr>
+              <a:t>có</a:t>
+            </a:r>
+            <a:r>
+              <a:rPr lang="en-US" sz="3200" dirty="0">
+                <a:latin typeface="Times New Roman" panose="02020603050405020304" pitchFamily="18" charset="0"/>
+                <a:cs typeface="Times New Roman" panose="02020603050405020304" pitchFamily="18" charset="0"/>
+              </a:rPr>
+              <a:t>.</a:t>
+            </a:r>
           </a:p>
         </p:txBody>
       </p:sp>
@@ -12989,7 +11943,7 @@
         <p:spPr>
           <a:xfrm>
             <a:off x="378822" y="2139469"/>
-            <a:ext cx="11434356" cy="1569660"/>
+            <a:ext cx="11434356" cy="4524315"/>
           </a:xfrm>
           <a:prstGeom prst="rect">
             <a:avLst/>
@@ -13003,98 +11957,18 @@
           <a:p>
             <a:pPr lvl="1"/>
             <a:r>
-              <a:rPr lang="en-US" sz="3200" dirty="0" err="1">
-                <a:latin typeface="Times New Roman" panose="02020603050405020304" pitchFamily="18" charset="0"/>
-                <a:cs typeface="Times New Roman" panose="02020603050405020304" pitchFamily="18" charset="0"/>
-              </a:rPr>
-              <a:t>Đối</a:t>
-            </a:r>
-            <a:r>
-              <a:rPr lang="en-US" sz="3200" dirty="0">
-                <a:latin typeface="Times New Roman" panose="02020603050405020304" pitchFamily="18" charset="0"/>
-                <a:cs typeface="Times New Roman" panose="02020603050405020304" pitchFamily="18" charset="0"/>
-              </a:rPr>
-              <a:t> </a:t>
-            </a:r>
-            <a:r>
-              <a:rPr lang="en-US" sz="3200" dirty="0" err="1">
-                <a:latin typeface="Times New Roman" panose="02020603050405020304" pitchFamily="18" charset="0"/>
-                <a:cs typeface="Times New Roman" panose="02020603050405020304" pitchFamily="18" charset="0"/>
-              </a:rPr>
-              <a:t>với</a:t>
-            </a:r>
-            <a:r>
-              <a:rPr lang="en-US" sz="3200" dirty="0">
-                <a:latin typeface="Times New Roman" panose="02020603050405020304" pitchFamily="18" charset="0"/>
-                <a:cs typeface="Times New Roman" panose="02020603050405020304" pitchFamily="18" charset="0"/>
-              </a:rPr>
-              <a:t> </a:t>
-            </a:r>
-            <a:r>
-              <a:rPr lang="en-US" sz="3200" dirty="0" err="1">
-                <a:latin typeface="Times New Roman" panose="02020603050405020304" pitchFamily="18" charset="0"/>
-                <a:cs typeface="Times New Roman" panose="02020603050405020304" pitchFamily="18" charset="0"/>
-              </a:rPr>
-              <a:t>các</a:t>
-            </a:r>
-            <a:r>
-              <a:rPr lang="en-US" sz="3200" dirty="0">
-                <a:latin typeface="Times New Roman" panose="02020603050405020304" pitchFamily="18" charset="0"/>
-                <a:cs typeface="Times New Roman" panose="02020603050405020304" pitchFamily="18" charset="0"/>
-              </a:rPr>
-              <a:t> </a:t>
-            </a:r>
-            <a:r>
-              <a:rPr lang="en-US" sz="3200" dirty="0" err="1">
-                <a:latin typeface="Times New Roman" panose="02020603050405020304" pitchFamily="18" charset="0"/>
-                <a:cs typeface="Times New Roman" panose="02020603050405020304" pitchFamily="18" charset="0"/>
-              </a:rPr>
-              <a:t>chương</a:t>
-            </a:r>
-            <a:r>
-              <a:rPr lang="en-US" sz="3200" dirty="0">
-                <a:latin typeface="Times New Roman" panose="02020603050405020304" pitchFamily="18" charset="0"/>
-                <a:cs typeface="Times New Roman" panose="02020603050405020304" pitchFamily="18" charset="0"/>
-              </a:rPr>
-              <a:t> </a:t>
-            </a:r>
-            <a:r>
-              <a:rPr lang="en-US" sz="3200" dirty="0" err="1">
-                <a:latin typeface="Times New Roman" panose="02020603050405020304" pitchFamily="18" charset="0"/>
-                <a:cs typeface="Times New Roman" panose="02020603050405020304" pitchFamily="18" charset="0"/>
-              </a:rPr>
-              <a:t>trình</a:t>
-            </a:r>
-            <a:r>
-              <a:rPr lang="en-US" sz="3200" dirty="0">
-                <a:latin typeface="Times New Roman" panose="02020603050405020304" pitchFamily="18" charset="0"/>
-                <a:cs typeface="Times New Roman" panose="02020603050405020304" pitchFamily="18" charset="0"/>
-              </a:rPr>
-              <a:t> c</a:t>
+              <a:rPr lang="en-US" sz="3200" dirty="0">
+                <a:latin typeface="Times New Roman" panose="02020603050405020304" pitchFamily="18" charset="0"/>
+                <a:cs typeface="Times New Roman" panose="02020603050405020304" pitchFamily="18" charset="0"/>
+              </a:rPr>
+              <a:t>C</a:t>
             </a:r>
             <a:r>
               <a:rPr lang="vi-VN" sz="3200" dirty="0">
                 <a:latin typeface="Times New Roman" panose="02020603050405020304" pitchFamily="18" charset="0"/>
                 <a:cs typeface="Times New Roman" panose="02020603050405020304" pitchFamily="18" charset="0"/>
               </a:rPr>
-              <a:t>ó cấu trúc bên trong phức tạp</a:t>
-            </a:r>
-            <a:r>
-              <a:rPr lang="en-US" sz="3200" dirty="0">
-                <a:latin typeface="Times New Roman" panose="02020603050405020304" pitchFamily="18" charset="0"/>
-                <a:cs typeface="Times New Roman" panose="02020603050405020304" pitchFamily="18" charset="0"/>
-              </a:rPr>
-              <a:t>.</a:t>
-            </a:r>
-          </a:p>
-          <a:p>
-            <a:pPr lvl="1"/>
-            <a:r>
-              <a:rPr lang="vi-VN" sz="3200" dirty="0">
-                <a:latin typeface="Times New Roman" panose="02020603050405020304" pitchFamily="18" charset="0"/>
-                <a:cs typeface="Times New Roman" panose="02020603050405020304" pitchFamily="18" charset="0"/>
-              </a:rPr>
-              <a:t>Sử dụng các đối tượng khác trong hệ thống mà có thể khó khởi tạo hoặc khởi tạo phức tạp</a:t>
+              <a:t>ho phép client xây dựng một đối tượng phức tạp bằng cách chỉ cần định nghĩa kiểu và nội dung. Chi tiết phần dựng được ẩn đi hoàn toàn bên phía client. Động cơ phổ biến nhất cho việc sử dụng Builder là đơn giản hóa phần code của client trong việc tạo ra các đối tượng phức tạp. Client vẫn có thể điều khiển các bước được thực hiện bởi Builder mà không cần biết công việc thực sự được thực hiện như thế nào. Builder thường đóng gói construction của các đối tượng Composite (một mẫu thiết kế khác) vì các procedure liên quan thường lặp đi lặ lại và phức tạp.</a:t>
             </a:r>
           </a:p>
         </p:txBody>
@@ -15818,6 +14692,15 @@
               </a:rPr>
               <a:t>ây dựng một đối tượng phức tạp bằng cách sử dụng các đối tượng đơn giản và sử dụng tiếp cận từng bước</a:t>
             </a:r>
+            <a:r>
+              <a:rPr lang="en-US" sz="3200" dirty="0">
+                <a:latin typeface="+mj-lt"/>
+              </a:rPr>
+              <a:t>.</a:t>
+            </a:r>
+            <a:endParaRPr lang="vi-VN" sz="3200" dirty="0">
+              <a:latin typeface="+mj-lt"/>
+            </a:endParaRPr>
           </a:p>
           <a:p>
             <a:endParaRPr lang="en-US" sz="3200" dirty="0">
@@ -16897,6 +15780,77 @@
               <a:t>Pattern</a:t>
             </a:r>
             <a:endParaRPr lang="en-US" sz="6000" b="1" dirty="0">
+              <a:latin typeface="+mj-lt"/>
+            </a:endParaRPr>
+          </a:p>
+        </p:txBody>
+      </p:sp>
+      <p:sp>
+        <p:nvSpPr>
+          <p:cNvPr id="4" name="Rectangle 3"/>
+          <p:cNvSpPr/>
+          <p:nvPr/>
+        </p:nvSpPr>
+        <p:spPr>
+          <a:xfrm>
+            <a:off x="613416" y="2406755"/>
+            <a:ext cx="11433175" cy="3046988"/>
+          </a:xfrm>
+          <a:prstGeom prst="rect">
+            <a:avLst/>
+          </a:prstGeom>
+        </p:spPr>
+        <p:txBody>
+          <a:bodyPr wrap="square" anchor="t">
+            <a:spAutoFit/>
+          </a:bodyPr>
+          <a:lstStyle/>
+          <a:p>
+            <a:r>
+              <a:rPr lang="vi-VN" sz="3200" dirty="0">
+                <a:latin typeface="+mj-lt"/>
+              </a:rPr>
+              <a:t>Builder có thể có ích khi xây dựng một bộ tạo code.</a:t>
+            </a:r>
+            <a:r>
+              <a:rPr lang="en-US" sz="3200" dirty="0">
+                <a:latin typeface="+mj-lt"/>
+              </a:rPr>
+              <a:t> </a:t>
+            </a:r>
+            <a:r>
+              <a:rPr lang="en-US" sz="3200" dirty="0" err="1">
+                <a:latin typeface="Times New Roman" panose="02020603050405020304" pitchFamily="18" charset="0"/>
+                <a:cs typeface="Times New Roman" panose="02020603050405020304" pitchFamily="18" charset="0"/>
+              </a:rPr>
+              <a:t>Khi</a:t>
+            </a:r>
+            <a:r>
+              <a:rPr lang="vi-VN" sz="3200" dirty="0">
+                <a:latin typeface="+mj-lt"/>
+              </a:rPr>
+              <a:t> viết một ứng dụng viết các stored procedure cho các CSDL khác nhau (SQL Server, Oracle, DB2). Đầu ra thực sự thì rất khác nhau nhưng những bước khác nhau của việc tạo các procedure tách biệt thực thi các trạng </a:t>
+            </a:r>
+            <a:r>
+              <a:rPr lang="en-US" sz="3200" dirty="0" err="1">
+                <a:latin typeface="Times New Roman" panose="02020603050405020304" pitchFamily="18" charset="0"/>
+                <a:cs typeface="Times New Roman" panose="02020603050405020304" pitchFamily="18" charset="0"/>
+              </a:rPr>
+              <a:t>thái</a:t>
+            </a:r>
+            <a:r>
+              <a:rPr lang="vi-VN" sz="3200" dirty="0">
+                <a:latin typeface="+mj-lt"/>
+              </a:rPr>
+              <a:t> CRUD (Create, Read, Update, Delete) là tương tự nhau.</a:t>
+            </a:r>
+            <a:endParaRPr lang="vi-VN" sz="3200" dirty="0">
+              <a:latin typeface="+mj-lt"/>
+              <a:cs typeface="Times New Roman" panose="02020603050405020304" pitchFamily="18" charset="0"/>
+            </a:endParaRPr>
+          </a:p>
+          <a:p>
+            <a:endParaRPr lang="en-US" sz="3200" dirty="0">
               <a:latin typeface="+mj-lt"/>
             </a:endParaRPr>
           </a:p>
